--- a/葉登發/第四組 浪跡天涯 .pptx
+++ b/葉登發/第四組 浪跡天涯 .pptx
@@ -5,7 +5,7 @@
     <p:sldMasterId id="2147483659" r:id="rId1"/>
   </p:sldMasterIdLst>
   <p:notesMasterIdLst>
-    <p:notesMasterId r:id="rId9"/>
+    <p:notesMasterId r:id="rId11"/>
   </p:notesMasterIdLst>
   <p:sldIdLst>
     <p:sldId id="256" r:id="rId2"/>
@@ -13,38 +13,40 @@
     <p:sldId id="258" r:id="rId4"/>
     <p:sldId id="260" r:id="rId5"/>
     <p:sldId id="259" r:id="rId6"/>
-    <p:sldId id="261" r:id="rId7"/>
-    <p:sldId id="262" r:id="rId8"/>
+    <p:sldId id="263" r:id="rId7"/>
+    <p:sldId id="261" r:id="rId8"/>
+    <p:sldId id="264" r:id="rId9"/>
+    <p:sldId id="262" r:id="rId10"/>
   </p:sldIdLst>
   <p:sldSz cx="9144000" cy="5143500" type="screen16x9"/>
   <p:notesSz cx="6858000" cy="9144000"/>
   <p:embeddedFontLst>
     <p:embeddedFont>
       <p:font typeface="微軟正黑體" pitchFamily="34" charset="-120"/>
-      <p:regular r:id="rId10"/>
-      <p:bold r:id="rId11"/>
+      <p:regular r:id="rId12"/>
+      <p:bold r:id="rId13"/>
     </p:embeddedFont>
     <p:embeddedFont>
       <p:font typeface="Nunito" charset="0"/>
-      <p:regular r:id="rId12"/>
-      <p:bold r:id="rId13"/>
-      <p:italic r:id="rId14"/>
-      <p:boldItalic r:id="rId15"/>
+      <p:regular r:id="rId14"/>
+      <p:bold r:id="rId15"/>
+      <p:italic r:id="rId16"/>
+      <p:boldItalic r:id="rId17"/>
     </p:embeddedFont>
     <p:embeddedFont>
       <p:font typeface="Calibri" pitchFamily="34" charset="0"/>
-      <p:regular r:id="rId16"/>
-      <p:bold r:id="rId17"/>
-      <p:italic r:id="rId18"/>
-      <p:boldItalic r:id="rId19"/>
+      <p:regular r:id="rId18"/>
+      <p:bold r:id="rId19"/>
+      <p:italic r:id="rId20"/>
+      <p:boldItalic r:id="rId21"/>
     </p:embeddedFont>
     <p:embeddedFont>
       <p:font typeface="標楷體" pitchFamily="65" charset="-120"/>
-      <p:regular r:id="rId20"/>
+      <p:regular r:id="rId22"/>
     </p:embeddedFont>
     <p:embeddedFont>
       <p:font typeface="MS UI Gothic" pitchFamily="34" charset="-128"/>
-      <p:regular r:id="rId21"/>
+      <p:regular r:id="rId23"/>
     </p:embeddedFont>
   </p:embeddedFontLst>
   <p:defaultTextStyle>
@@ -278,7 +280,7 @@
   </p:defaultTextStyle>
   <p:extLst>
     <p:ext uri="{EFAFB233-063F-42B5-8137-9DF3F51BA10A}">
-      <p15:sldGuideLst xmlns:ahyp="http://schemas.microsoft.com/office/drawing/2018/hyperlinkcolor" xmlns:p15="http://schemas.microsoft.com/office/powerpoint/2012/main" xmlns:p14="http://schemas.microsoft.com/office/powerpoint/2010/main" xmlns:com="http://schemas.openxmlformats.org/drawingml/2006/compatibility" xmlns:pvml="urn:schemas-microsoft-com:office:powerpoint" xmlns:v="urn:schemas-microsoft-com:vml" xmlns:o="urn:schemas-microsoft-com:office:office" xmlns:dgm="http://schemas.openxmlformats.org/drawingml/2006/diagram" xmlns:c="http://schemas.openxmlformats.org/drawingml/2006/chart" xmlns:mv="urn:schemas-microsoft-com:mac:vml" xmlns:mc="http://schemas.openxmlformats.org/markup-compatibility/2006" xmlns="">
+      <p15:sldGuideLst xmlns="" xmlns:mc="http://schemas.openxmlformats.org/markup-compatibility/2006" xmlns:mv="urn:schemas-microsoft-com:mac:vml" xmlns:c="http://schemas.openxmlformats.org/drawingml/2006/chart" xmlns:dgm="http://schemas.openxmlformats.org/drawingml/2006/diagram" xmlns:o="urn:schemas-microsoft-com:office:office" xmlns:v="urn:schemas-microsoft-com:vml" xmlns:pvml="urn:schemas-microsoft-com:office:powerpoint" xmlns:com="http://schemas.openxmlformats.org/drawingml/2006/compatibility" xmlns:p14="http://schemas.microsoft.com/office/powerpoint/2010/main" xmlns:p15="http://schemas.microsoft.com/office/powerpoint/2012/main" xmlns:ahyp="http://schemas.microsoft.com/office/drawing/2018/hyperlinkcolor">
         <p15:guide id="1" orient="horz" pos="1620">
           <p15:clr>
             <a:srgbClr val="A4A3A4"/>
@@ -1811,7 +1813,7 @@
         <a:lstStyle/>
         <a:p>
           <a:r>
-            <a:rPr lang="en-US" altLang="zh-TW" sz="3200" b="0" i="0" u="none" strike="noStrike" cap="none" dirty="0" smtClean="0">
+            <a:rPr lang="en-US" altLang="zh-TW" sz="2800" b="0" i="0" u="none" strike="noStrike" cap="none" dirty="0" smtClean="0">
               <a:solidFill>
                 <a:schemeClr val="accent3"/>
               </a:solidFill>
@@ -1823,7 +1825,7 @@
             <a:t>S </a:t>
           </a:r>
           <a:r>
-            <a:rPr lang="zh-TW" altLang="en-US" sz="3200" b="0" i="0" u="none" strike="noStrike" cap="none" dirty="0" smtClean="0">
+            <a:rPr lang="zh-TW" altLang="en-US" sz="2800" b="0" i="0" u="none" strike="noStrike" cap="none" dirty="0" smtClean="0">
               <a:solidFill>
                 <a:schemeClr val="accent3"/>
               </a:solidFill>
@@ -1834,7 +1836,7 @@
             </a:rPr>
             <a:t>優勢</a:t>
           </a:r>
-          <a:endParaRPr lang="en-US" altLang="zh-TW" sz="3200" b="0" i="0" u="none" strike="noStrike" cap="none" dirty="0" smtClean="0">
+          <a:endParaRPr lang="en-US" altLang="zh-TW" sz="2800" b="0" i="0" u="none" strike="noStrike" cap="none" dirty="0" smtClean="0">
             <a:solidFill>
               <a:schemeClr val="accent3"/>
             </a:solidFill>
@@ -1853,7 +1855,17 @@
               <a:latin typeface="微軟正黑體" pitchFamily="34" charset="-120"/>
               <a:ea typeface="微軟正黑體" pitchFamily="34" charset="-120"/>
             </a:rPr>
-            <a:t>提供免費平台供使用者進行交流</a:t>
+            <a:t>提供免費平台供使用者進行</a:t>
+          </a:r>
+          <a:r>
+            <a:rPr lang="zh-TW" altLang="en-US" sz="1200" dirty="0" smtClean="0">
+              <a:solidFill>
+                <a:schemeClr val="accent1"/>
+              </a:solidFill>
+              <a:latin typeface="微軟正黑體" pitchFamily="34" charset="-120"/>
+              <a:ea typeface="微軟正黑體" pitchFamily="34" charset="-120"/>
+            </a:rPr>
+            <a:t>交流</a:t>
           </a:r>
           <a:endParaRPr lang="en-US" altLang="zh-TW" sz="1200" dirty="0" smtClean="0">
             <a:solidFill>
@@ -1917,7 +1929,7 @@
             </a:spcAft>
           </a:pPr>
           <a:r>
-            <a:rPr lang="en-US" altLang="zh-TW" sz="3200" b="0" i="0" u="none" strike="noStrike" kern="1200" cap="none" dirty="0" smtClean="0">
+            <a:rPr lang="en-US" altLang="zh-TW" sz="2800" b="0" i="0" u="none" strike="noStrike" kern="1200" cap="none" dirty="0" smtClean="0">
               <a:solidFill>
                 <a:schemeClr val="accent3"/>
               </a:solidFill>
@@ -1929,7 +1941,7 @@
             <a:t>W</a:t>
           </a:r>
           <a:r>
-            <a:rPr lang="zh-TW" altLang="en-US" sz="3200" b="0" i="0" u="none" strike="noStrike" kern="1200" cap="none" dirty="0" smtClean="0">
+            <a:rPr lang="zh-TW" altLang="en-US" sz="2800" b="0" i="0" u="none" strike="noStrike" kern="1200" cap="none" dirty="0" smtClean="0">
               <a:solidFill>
                 <a:schemeClr val="accent3"/>
               </a:solidFill>
@@ -1940,7 +1952,7 @@
             </a:rPr>
             <a:t> 劣勢</a:t>
           </a:r>
-          <a:endParaRPr lang="en-US" altLang="zh-TW" sz="3200" b="0" i="0" u="none" strike="noStrike" kern="1200" cap="none" dirty="0" smtClean="0">
+          <a:endParaRPr lang="en-US" altLang="zh-TW" sz="2800" b="0" i="0" u="none" strike="noStrike" kern="1200" cap="none" dirty="0" smtClean="0">
             <a:solidFill>
               <a:schemeClr val="accent3"/>
             </a:solidFill>
@@ -2083,7 +2095,7 @@
         <a:lstStyle/>
         <a:p>
           <a:r>
-            <a:rPr lang="en-US" altLang="zh-TW" sz="3200" b="0" i="0" u="none" strike="noStrike" cap="none" dirty="0" smtClean="0">
+            <a:rPr lang="en-US" altLang="zh-TW" sz="2800" b="0" i="0" u="none" strike="noStrike" cap="none" dirty="0" smtClean="0">
               <a:solidFill>
                 <a:schemeClr val="accent3"/>
               </a:solidFill>
@@ -2095,7 +2107,7 @@
             <a:t>O</a:t>
           </a:r>
           <a:r>
-            <a:rPr lang="zh-TW" altLang="en-US" sz="3200" b="0" i="0" u="none" strike="noStrike" cap="none" dirty="0" smtClean="0">
+            <a:rPr lang="zh-TW" altLang="en-US" sz="2800" b="0" i="0" u="none" strike="noStrike" cap="none" dirty="0" smtClean="0">
               <a:solidFill>
                 <a:schemeClr val="accent3"/>
               </a:solidFill>
@@ -2116,7 +2128,17 @@
               <a:latin typeface="微軟正黑體" pitchFamily="34" charset="-120"/>
               <a:ea typeface="微軟正黑體" pitchFamily="34" charset="-120"/>
             </a:rPr>
-            <a:t>社會至今仍有許多流浪動物</a:t>
+            <a:t>社會至今仍有許多流浪</a:t>
+          </a:r>
+          <a:r>
+            <a:rPr lang="zh-TW" altLang="en-US" sz="1200" dirty="0" smtClean="0">
+              <a:solidFill>
+                <a:schemeClr val="accent1"/>
+              </a:solidFill>
+              <a:latin typeface="微軟正黑體" pitchFamily="34" charset="-120"/>
+              <a:ea typeface="微軟正黑體" pitchFamily="34" charset="-120"/>
+            </a:rPr>
+            <a:t>動物，動物保護的理念慢慢建築在人們的觀念教育宣導逐漸增加，讓大眾更了解流浪動物的問題。</a:t>
           </a:r>
           <a:endParaRPr lang="en-US" altLang="zh-TW" sz="1200" dirty="0" smtClean="0">
             <a:solidFill>
@@ -2158,7 +2180,7 @@
         <a:lstStyle/>
         <a:p>
           <a:r>
-            <a:rPr lang="en-US" altLang="zh-TW" sz="3200" b="0" i="0" u="none" strike="noStrike" cap="none" dirty="0" smtClean="0">
+            <a:rPr lang="en-US" altLang="zh-TW" sz="2800" b="0" i="0" u="none" strike="noStrike" cap="none" dirty="0" smtClean="0">
               <a:solidFill>
                 <a:schemeClr val="accent3"/>
               </a:solidFill>
@@ -2170,7 +2192,7 @@
             <a:t>T</a:t>
           </a:r>
           <a:r>
-            <a:rPr lang="zh-TW" altLang="en-US" sz="3200" b="0" i="0" u="none" strike="noStrike" cap="none" dirty="0" smtClean="0">
+            <a:rPr lang="zh-TW" altLang="en-US" sz="2800" b="0" i="0" u="none" strike="noStrike" cap="none" dirty="0" smtClean="0">
               <a:solidFill>
                 <a:schemeClr val="accent3"/>
               </a:solidFill>
@@ -2181,7 +2203,7 @@
             </a:rPr>
             <a:t> 威脅</a:t>
           </a:r>
-          <a:endParaRPr lang="en-US" altLang="zh-TW" sz="3200" b="0" i="0" u="none" strike="noStrike" cap="none" dirty="0" smtClean="0">
+          <a:endParaRPr lang="en-US" altLang="zh-TW" sz="2800" b="0" i="0" u="none" strike="noStrike" cap="none" dirty="0" smtClean="0">
             <a:solidFill>
               <a:schemeClr val="accent3"/>
             </a:solidFill>
@@ -2250,6 +2272,13 @@
         </dgm:presLayoutVars>
       </dgm:prSet>
       <dgm:spPr/>
+      <dgm:t>
+        <a:bodyPr/>
+        <a:lstStyle/>
+        <a:p>
+          <a:endParaRPr lang="zh-TW" altLang="en-US"/>
+        </a:p>
+      </dgm:t>
     </dgm:pt>
     <dgm:pt modelId="{72CD40D8-85B6-4E34-97EB-4DA0DF347757}" type="pres">
       <dgm:prSet presAssocID="{B1C65449-F2F1-4D80-B6DD-1D44579B3D57}" presName="diamond" presStyleLbl="bgShp" presStyleIdx="0" presStyleCnt="1"/>
@@ -2329,8 +2358,8 @@
     <dgm:cxn modelId="{A8317FBB-1DD4-4130-950E-792FF0C38E7E}" type="presOf" srcId="{893A72DD-9B23-484E-A46A-E34A31FCFD20}" destId="{3084FC60-27C3-442D-9386-366F9828B96E}" srcOrd="0" destOrd="0" presId="urn:microsoft.com/office/officeart/2005/8/layout/matrix3"/>
     <dgm:cxn modelId="{C63E809C-7953-4231-B833-04916C683715}" srcId="{B1C65449-F2F1-4D80-B6DD-1D44579B3D57}" destId="{6099A837-DAEE-4F51-9D41-7F44C9F540A4}" srcOrd="0" destOrd="0" parTransId="{7FB262C9-5941-46AE-8BCB-9F603A6C3F94}" sibTransId="{786E8605-FBCC-454C-8FBE-96CC7C644518}"/>
     <dgm:cxn modelId="{5F09207F-5276-48ED-A2D8-A99E091454D8}" srcId="{B1C65449-F2F1-4D80-B6DD-1D44579B3D57}" destId="{893A72DD-9B23-484E-A46A-E34A31FCFD20}" srcOrd="1" destOrd="0" parTransId="{D4085825-B038-4592-9782-78AFF8DA2424}" sibTransId="{14696414-243A-47FF-9AFC-BBD33DA949EF}"/>
+    <dgm:cxn modelId="{BA0B721C-0905-42A0-8244-A256C7A7032A}" srcId="{B1C65449-F2F1-4D80-B6DD-1D44579B3D57}" destId="{7552028F-E008-4954-ADC7-5EE8994A443B}" srcOrd="2" destOrd="0" parTransId="{E3ABFC9E-A3B1-4EB0-A904-684AC81CD15A}" sibTransId="{E3A83E3E-44D8-44CE-9B9D-810F1E12C96A}"/>
     <dgm:cxn modelId="{893B6DF4-FAA8-4139-9623-B615C059EA15}" type="presOf" srcId="{7552028F-E008-4954-ADC7-5EE8994A443B}" destId="{C4C91AFB-1A07-404F-9A1B-8A21826D22AE}" srcOrd="0" destOrd="0" presId="urn:microsoft.com/office/officeart/2005/8/layout/matrix3"/>
-    <dgm:cxn modelId="{BA0B721C-0905-42A0-8244-A256C7A7032A}" srcId="{B1C65449-F2F1-4D80-B6DD-1D44579B3D57}" destId="{7552028F-E008-4954-ADC7-5EE8994A443B}" srcOrd="2" destOrd="0" parTransId="{E3ABFC9E-A3B1-4EB0-A904-684AC81CD15A}" sibTransId="{E3A83E3E-44D8-44CE-9B9D-810F1E12C96A}"/>
     <dgm:cxn modelId="{2ACAD2E7-BA0F-419C-8B31-3F90938A3020}" type="presOf" srcId="{78673C81-D223-404F-A570-2091DBE07E56}" destId="{EA45ED88-AFA6-43F3-BAF4-5C1E6EBF87D6}" srcOrd="0" destOrd="0" presId="urn:microsoft.com/office/officeart/2005/8/layout/matrix3"/>
     <dgm:cxn modelId="{49A90E49-76B0-43C8-B553-B82179FACCB2}" type="presOf" srcId="{B1C65449-F2F1-4D80-B6DD-1D44579B3D57}" destId="{8A7E462B-E649-488B-81FB-A6847FDD50C8}" srcOrd="0" destOrd="0" presId="urn:microsoft.com/office/officeart/2005/8/layout/matrix3"/>
     <dgm:cxn modelId="{9D155BF2-B179-4D6F-B09A-CB40EF3BB2DC}" type="presOf" srcId="{6099A837-DAEE-4F51-9D41-7F44C9F540A4}" destId="{2DC065FB-B2BF-4D31-B8BF-3169A4E089D3}" srcOrd="0" destOrd="0" presId="urn:microsoft.com/office/officeart/2005/8/layout/matrix3"/>
@@ -3162,6 +3191,13 @@
         </dgm:presLayoutVars>
       </dgm:prSet>
       <dgm:spPr/>
+      <dgm:t>
+        <a:bodyPr/>
+        <a:lstStyle/>
+        <a:p>
+          <a:endParaRPr lang="zh-TW" altLang="en-US"/>
+        </a:p>
+      </dgm:t>
     </dgm:pt>
     <dgm:pt modelId="{8AC159B6-ACBE-45C7-B5BD-856E7FF1547A}" type="pres">
       <dgm:prSet presAssocID="{FD751965-2BDC-438B-947B-D07B08C2B1EB}" presName="hierRoot1" presStyleCnt="0">
@@ -3186,10 +3222,24 @@
           <a:avLst/>
         </a:prstGeom>
       </dgm:spPr>
+      <dgm:t>
+        <a:bodyPr/>
+        <a:lstStyle/>
+        <a:p>
+          <a:endParaRPr lang="zh-TW" altLang="en-US"/>
+        </a:p>
+      </dgm:t>
     </dgm:pt>
     <dgm:pt modelId="{B2855A30-360C-47D4-9654-10E3DF27B6CF}" type="pres">
       <dgm:prSet presAssocID="{FD751965-2BDC-438B-947B-D07B08C2B1EB}" presName="rootConnector1" presStyleLbl="node1" presStyleIdx="0" presStyleCnt="0"/>
       <dgm:spPr/>
+      <dgm:t>
+        <a:bodyPr/>
+        <a:lstStyle/>
+        <a:p>
+          <a:endParaRPr lang="zh-TW" altLang="en-US"/>
+        </a:p>
+      </dgm:t>
     </dgm:pt>
     <dgm:pt modelId="{24611BE9-483D-472C-BD40-F21D021997FF}" type="pres">
       <dgm:prSet presAssocID="{FD751965-2BDC-438B-947B-D07B08C2B1EB}" presName="hierChild2" presStyleCnt="0"/>
@@ -3198,6 +3248,13 @@
     <dgm:pt modelId="{264D0045-93E4-47DA-A38A-DCD39CDED102}" type="pres">
       <dgm:prSet presAssocID="{6251823C-0D5B-4272-8B95-4BFB4B26389D}" presName="Name37" presStyleLbl="parChTrans1D2" presStyleIdx="0" presStyleCnt="5"/>
       <dgm:spPr/>
+      <dgm:t>
+        <a:bodyPr/>
+        <a:lstStyle/>
+        <a:p>
+          <a:endParaRPr lang="zh-TW" altLang="en-US"/>
+        </a:p>
+      </dgm:t>
     </dgm:pt>
     <dgm:pt modelId="{2984EB87-602A-4DC0-A823-FD478059F14B}" type="pres">
       <dgm:prSet presAssocID="{D7134094-D23B-4867-B1C0-8B467B464B57}" presName="hierRoot2" presStyleCnt="0">
@@ -3229,6 +3286,13 @@
     <dgm:pt modelId="{37A92CAB-72B8-4C79-B2CB-E86DAEEDC8C4}" type="pres">
       <dgm:prSet presAssocID="{D7134094-D23B-4867-B1C0-8B467B464B57}" presName="rootConnector" presStyleLbl="node2" presStyleIdx="0" presStyleCnt="5"/>
       <dgm:spPr/>
+      <dgm:t>
+        <a:bodyPr/>
+        <a:lstStyle/>
+        <a:p>
+          <a:endParaRPr lang="zh-TW" altLang="en-US"/>
+        </a:p>
+      </dgm:t>
     </dgm:pt>
     <dgm:pt modelId="{9DC34CED-2A20-4D0A-AF2E-3CE2E8959EE6}" type="pres">
       <dgm:prSet presAssocID="{D7134094-D23B-4867-B1C0-8B467B464B57}" presName="hierChild4" presStyleCnt="0"/>
@@ -3237,6 +3301,13 @@
     <dgm:pt modelId="{FC29A3EE-7F43-4509-8DFC-D59B745502B1}" type="pres">
       <dgm:prSet presAssocID="{8A06145A-C8D0-49A6-B1D3-0BBAF37DD652}" presName="Name37" presStyleLbl="parChTrans1D3" presStyleIdx="0" presStyleCnt="9"/>
       <dgm:spPr/>
+      <dgm:t>
+        <a:bodyPr/>
+        <a:lstStyle/>
+        <a:p>
+          <a:endParaRPr lang="zh-TW" altLang="en-US"/>
+        </a:p>
+      </dgm:t>
     </dgm:pt>
     <dgm:pt modelId="{26A1108C-6627-4609-87E8-A97D535A9031}" type="pres">
       <dgm:prSet presAssocID="{627DF427-CD0D-4E70-878D-4AA51C8A005C}" presName="hierRoot2" presStyleCnt="0">
@@ -3272,6 +3343,13 @@
     <dgm:pt modelId="{3050518C-0F47-41E1-9EEA-562169427DA0}" type="pres">
       <dgm:prSet presAssocID="{627DF427-CD0D-4E70-878D-4AA51C8A005C}" presName="rootConnector" presStyleLbl="node3" presStyleIdx="0" presStyleCnt="9"/>
       <dgm:spPr/>
+      <dgm:t>
+        <a:bodyPr/>
+        <a:lstStyle/>
+        <a:p>
+          <a:endParaRPr lang="zh-TW" altLang="en-US"/>
+        </a:p>
+      </dgm:t>
     </dgm:pt>
     <dgm:pt modelId="{E07C6937-2954-4B05-B110-CF5627639A9E}" type="pres">
       <dgm:prSet presAssocID="{627DF427-CD0D-4E70-878D-4AA51C8A005C}" presName="hierChild4" presStyleCnt="0"/>
@@ -3288,6 +3366,13 @@
     <dgm:pt modelId="{F87E183A-7BB0-4B2A-A2A7-CBA8E8BFBD21}" type="pres">
       <dgm:prSet presAssocID="{27320119-E80F-4162-8F3A-3CB8909E795C}" presName="Name37" presStyleLbl="parChTrans1D2" presStyleIdx="1" presStyleCnt="5"/>
       <dgm:spPr/>
+      <dgm:t>
+        <a:bodyPr/>
+        <a:lstStyle/>
+        <a:p>
+          <a:endParaRPr lang="zh-TW" altLang="en-US"/>
+        </a:p>
+      </dgm:t>
     </dgm:pt>
     <dgm:pt modelId="{2D403463-579A-4DD2-A2C0-39A7870FB4C5}" type="pres">
       <dgm:prSet presAssocID="{065C42A1-F9DA-4035-B731-3CDB539A67E7}" presName="hierRoot2" presStyleCnt="0">
@@ -3319,6 +3404,13 @@
     <dgm:pt modelId="{BA564F73-3FDB-4C3A-9837-45278937B477}" type="pres">
       <dgm:prSet presAssocID="{065C42A1-F9DA-4035-B731-3CDB539A67E7}" presName="rootConnector" presStyleLbl="node2" presStyleIdx="1" presStyleCnt="5"/>
       <dgm:spPr/>
+      <dgm:t>
+        <a:bodyPr/>
+        <a:lstStyle/>
+        <a:p>
+          <a:endParaRPr lang="zh-TW" altLang="en-US"/>
+        </a:p>
+      </dgm:t>
     </dgm:pt>
     <dgm:pt modelId="{B33964C7-964E-46CA-8B94-1DDD6C21ED94}" type="pres">
       <dgm:prSet presAssocID="{065C42A1-F9DA-4035-B731-3CDB539A67E7}" presName="hierChild4" presStyleCnt="0"/>
@@ -3327,6 +3419,13 @@
     <dgm:pt modelId="{D686A4DD-0432-408F-BE4B-506D71F04291}" type="pres">
       <dgm:prSet presAssocID="{03092E38-7CE8-4281-AACE-C88713121475}" presName="Name37" presStyleLbl="parChTrans1D3" presStyleIdx="1" presStyleCnt="9"/>
       <dgm:spPr/>
+      <dgm:t>
+        <a:bodyPr/>
+        <a:lstStyle/>
+        <a:p>
+          <a:endParaRPr lang="zh-TW" altLang="en-US"/>
+        </a:p>
+      </dgm:t>
     </dgm:pt>
     <dgm:pt modelId="{9D10307E-4BCF-460D-9EE9-C2EFD9AE6BFA}" type="pres">
       <dgm:prSet presAssocID="{7E6144F2-4DD5-477A-91C4-5DC6A2AE156A}" presName="hierRoot2" presStyleCnt="0">
@@ -3362,6 +3461,13 @@
     <dgm:pt modelId="{D3519E94-C413-4BF1-B8EA-1755D9E51015}" type="pres">
       <dgm:prSet presAssocID="{7E6144F2-4DD5-477A-91C4-5DC6A2AE156A}" presName="rootConnector" presStyleLbl="node3" presStyleIdx="1" presStyleCnt="9"/>
       <dgm:spPr/>
+      <dgm:t>
+        <a:bodyPr/>
+        <a:lstStyle/>
+        <a:p>
+          <a:endParaRPr lang="zh-TW" altLang="en-US"/>
+        </a:p>
+      </dgm:t>
     </dgm:pt>
     <dgm:pt modelId="{55EF27D3-3FC2-4CDD-A613-B64A5E32049F}" type="pres">
       <dgm:prSet presAssocID="{7E6144F2-4DD5-477A-91C4-5DC6A2AE156A}" presName="hierChild4" presStyleCnt="0"/>
@@ -3374,6 +3480,13 @@
     <dgm:pt modelId="{5A91E01C-0B7A-4F13-BC3B-4EE50BCB126E}" type="pres">
       <dgm:prSet presAssocID="{8EDF0F6A-29B5-416B-9345-20D833EBE4C6}" presName="Name37" presStyleLbl="parChTrans1D3" presStyleIdx="2" presStyleCnt="9"/>
       <dgm:spPr/>
+      <dgm:t>
+        <a:bodyPr/>
+        <a:lstStyle/>
+        <a:p>
+          <a:endParaRPr lang="zh-TW" altLang="en-US"/>
+        </a:p>
+      </dgm:t>
     </dgm:pt>
     <dgm:pt modelId="{8BD94E4D-C05B-4B7D-8485-D2E2BB74F37A}" type="pres">
       <dgm:prSet presAssocID="{DE7543DB-7592-4EAD-8AF5-4D870EDC4FEF}" presName="hierRoot2" presStyleCnt="0">
@@ -3409,6 +3522,13 @@
     <dgm:pt modelId="{27DB3943-37A0-4E9E-AD70-035EC189E8B8}" type="pres">
       <dgm:prSet presAssocID="{DE7543DB-7592-4EAD-8AF5-4D870EDC4FEF}" presName="rootConnector" presStyleLbl="node3" presStyleIdx="2" presStyleCnt="9"/>
       <dgm:spPr/>
+      <dgm:t>
+        <a:bodyPr/>
+        <a:lstStyle/>
+        <a:p>
+          <a:endParaRPr lang="zh-TW" altLang="en-US"/>
+        </a:p>
+      </dgm:t>
     </dgm:pt>
     <dgm:pt modelId="{33C41E20-74CA-47B9-B2F3-790C847B7C0F}" type="pres">
       <dgm:prSet presAssocID="{DE7543DB-7592-4EAD-8AF5-4D870EDC4FEF}" presName="hierChild4" presStyleCnt="0"/>
@@ -3421,6 +3541,13 @@
     <dgm:pt modelId="{43DDFD52-ABBA-4B36-9E55-C7B224745957}" type="pres">
       <dgm:prSet presAssocID="{5318C7FD-06A4-4388-B613-2F342972AB53}" presName="Name37" presStyleLbl="parChTrans1D3" presStyleIdx="3" presStyleCnt="9"/>
       <dgm:spPr/>
+      <dgm:t>
+        <a:bodyPr/>
+        <a:lstStyle/>
+        <a:p>
+          <a:endParaRPr lang="zh-TW" altLang="en-US"/>
+        </a:p>
+      </dgm:t>
     </dgm:pt>
     <dgm:pt modelId="{D14065F6-BC0E-4C55-A0EA-E71CDB20B8A7}" type="pres">
       <dgm:prSet presAssocID="{E9CAD86E-CB21-46CE-B94B-22D35AC3A8BF}" presName="hierRoot2" presStyleCnt="0">
@@ -3445,10 +3572,24 @@
           <a:avLst/>
         </a:prstGeom>
       </dgm:spPr>
+      <dgm:t>
+        <a:bodyPr/>
+        <a:lstStyle/>
+        <a:p>
+          <a:endParaRPr lang="zh-TW" altLang="en-US"/>
+        </a:p>
+      </dgm:t>
     </dgm:pt>
     <dgm:pt modelId="{C3A3E138-5EB8-42D0-BB9B-5CF8E78410A5}" type="pres">
       <dgm:prSet presAssocID="{E9CAD86E-CB21-46CE-B94B-22D35AC3A8BF}" presName="rootConnector" presStyleLbl="node3" presStyleIdx="3" presStyleCnt="9"/>
       <dgm:spPr/>
+      <dgm:t>
+        <a:bodyPr/>
+        <a:lstStyle/>
+        <a:p>
+          <a:endParaRPr lang="zh-TW" altLang="en-US"/>
+        </a:p>
+      </dgm:t>
     </dgm:pt>
     <dgm:pt modelId="{B85AD854-E1E8-4ECE-A957-90FC0BCF3AF4}" type="pres">
       <dgm:prSet presAssocID="{E9CAD86E-CB21-46CE-B94B-22D35AC3A8BF}" presName="hierChild4" presStyleCnt="0"/>
@@ -3465,6 +3606,13 @@
     <dgm:pt modelId="{A1DE884E-05B8-4BDA-8B97-EB107522A13B}" type="pres">
       <dgm:prSet presAssocID="{74A45DA7-6203-427C-95E6-97496B209C6A}" presName="Name37" presStyleLbl="parChTrans1D2" presStyleIdx="2" presStyleCnt="5"/>
       <dgm:spPr/>
+      <dgm:t>
+        <a:bodyPr/>
+        <a:lstStyle/>
+        <a:p>
+          <a:endParaRPr lang="zh-TW" altLang="en-US"/>
+        </a:p>
+      </dgm:t>
     </dgm:pt>
     <dgm:pt modelId="{F191BDBE-142C-47E2-9354-8844F32E188C}" type="pres">
       <dgm:prSet presAssocID="{6CA09A5E-B8A0-4A71-ADD4-346908CF8A6E}" presName="hierRoot2" presStyleCnt="0">
@@ -3496,6 +3644,13 @@
     <dgm:pt modelId="{833ADFAF-9E72-4045-B33C-ECE4CF3FA42D}" type="pres">
       <dgm:prSet presAssocID="{6CA09A5E-B8A0-4A71-ADD4-346908CF8A6E}" presName="rootConnector" presStyleLbl="node2" presStyleIdx="2" presStyleCnt="5"/>
       <dgm:spPr/>
+      <dgm:t>
+        <a:bodyPr/>
+        <a:lstStyle/>
+        <a:p>
+          <a:endParaRPr lang="zh-TW" altLang="en-US"/>
+        </a:p>
+      </dgm:t>
     </dgm:pt>
     <dgm:pt modelId="{DFAFD2E4-F66A-4151-9AFC-CA9182B3F0BC}" type="pres">
       <dgm:prSet presAssocID="{6CA09A5E-B8A0-4A71-ADD4-346908CF8A6E}" presName="hierChild4" presStyleCnt="0"/>
@@ -3504,6 +3659,13 @@
     <dgm:pt modelId="{93BC48DE-105A-41DD-8BF6-6040C58E9A13}" type="pres">
       <dgm:prSet presAssocID="{F4571858-FC3A-4093-B8F7-1E141991EFC7}" presName="Name37" presStyleLbl="parChTrans1D3" presStyleIdx="4" presStyleCnt="9"/>
       <dgm:spPr/>
+      <dgm:t>
+        <a:bodyPr/>
+        <a:lstStyle/>
+        <a:p>
+          <a:endParaRPr lang="zh-TW" altLang="en-US"/>
+        </a:p>
+      </dgm:t>
     </dgm:pt>
     <dgm:pt modelId="{6DDEA65B-5ED7-4676-8323-CE36C098682B}" type="pres">
       <dgm:prSet presAssocID="{C9FE2CFE-33B3-428A-A71B-F919C91E56A9}" presName="hierRoot2" presStyleCnt="0">
@@ -3539,6 +3701,13 @@
     <dgm:pt modelId="{B44BC3D0-5E73-423E-9FF3-3D41C3E3D1DE}" type="pres">
       <dgm:prSet presAssocID="{C9FE2CFE-33B3-428A-A71B-F919C91E56A9}" presName="rootConnector" presStyleLbl="node3" presStyleIdx="4" presStyleCnt="9"/>
       <dgm:spPr/>
+      <dgm:t>
+        <a:bodyPr/>
+        <a:lstStyle/>
+        <a:p>
+          <a:endParaRPr lang="zh-TW" altLang="en-US"/>
+        </a:p>
+      </dgm:t>
     </dgm:pt>
     <dgm:pt modelId="{7511CDE9-404A-4066-B1F7-E9641939160E}" type="pres">
       <dgm:prSet presAssocID="{C9FE2CFE-33B3-428A-A71B-F919C91E56A9}" presName="hierChild4" presStyleCnt="0"/>
@@ -3555,6 +3724,13 @@
     <dgm:pt modelId="{AE85C9AC-A96D-453C-B30C-912E36B3230A}" type="pres">
       <dgm:prSet presAssocID="{6701841D-B29D-4F43-A04A-C0F448C8EE4B}" presName="Name37" presStyleLbl="parChTrans1D2" presStyleIdx="3" presStyleCnt="5"/>
       <dgm:spPr/>
+      <dgm:t>
+        <a:bodyPr/>
+        <a:lstStyle/>
+        <a:p>
+          <a:endParaRPr lang="zh-TW" altLang="en-US"/>
+        </a:p>
+      </dgm:t>
     </dgm:pt>
     <dgm:pt modelId="{E245E270-5D78-4AD0-B292-4FB6E38D7AA4}" type="pres">
       <dgm:prSet presAssocID="{88701BC0-3BC4-4D6E-A745-608E267D8549}" presName="hierRoot2" presStyleCnt="0">
@@ -3586,6 +3762,13 @@
     <dgm:pt modelId="{C0B8DD2D-5460-4E33-89E1-5D3026ACFDC9}" type="pres">
       <dgm:prSet presAssocID="{88701BC0-3BC4-4D6E-A745-608E267D8549}" presName="rootConnector" presStyleLbl="node2" presStyleIdx="3" presStyleCnt="5"/>
       <dgm:spPr/>
+      <dgm:t>
+        <a:bodyPr/>
+        <a:lstStyle/>
+        <a:p>
+          <a:endParaRPr lang="zh-TW" altLang="en-US"/>
+        </a:p>
+      </dgm:t>
     </dgm:pt>
     <dgm:pt modelId="{0EDC8715-9A38-49BD-9760-5FB3BFF47A1B}" type="pres">
       <dgm:prSet presAssocID="{88701BC0-3BC4-4D6E-A745-608E267D8549}" presName="hierChild4" presStyleCnt="0"/>
@@ -3594,6 +3777,13 @@
     <dgm:pt modelId="{5776753B-DC49-435F-995D-2AA14F866BEA}" type="pres">
       <dgm:prSet presAssocID="{830AFFBF-7265-45F5-BE7A-CAF76103F757}" presName="Name37" presStyleLbl="parChTrans1D3" presStyleIdx="5" presStyleCnt="9"/>
       <dgm:spPr/>
+      <dgm:t>
+        <a:bodyPr/>
+        <a:lstStyle/>
+        <a:p>
+          <a:endParaRPr lang="zh-TW" altLang="en-US"/>
+        </a:p>
+      </dgm:t>
     </dgm:pt>
     <dgm:pt modelId="{67ED27F1-E98F-4FE6-A87C-304BFF5F3C9A}" type="pres">
       <dgm:prSet presAssocID="{F76FE35E-0007-412A-BB13-57DA750A5E9C}" presName="hierRoot2" presStyleCnt="0">
@@ -3629,6 +3819,13 @@
     <dgm:pt modelId="{EB26E828-0942-4AD7-8883-5E2E6C40E665}" type="pres">
       <dgm:prSet presAssocID="{F76FE35E-0007-412A-BB13-57DA750A5E9C}" presName="rootConnector" presStyleLbl="node3" presStyleIdx="5" presStyleCnt="9"/>
       <dgm:spPr/>
+      <dgm:t>
+        <a:bodyPr/>
+        <a:lstStyle/>
+        <a:p>
+          <a:endParaRPr lang="zh-TW" altLang="en-US"/>
+        </a:p>
+      </dgm:t>
     </dgm:pt>
     <dgm:pt modelId="{0BA4BBE3-AA88-4D0F-91B6-5F3C64F20B43}" type="pres">
       <dgm:prSet presAssocID="{F76FE35E-0007-412A-BB13-57DA750A5E9C}" presName="hierChild4" presStyleCnt="0"/>
@@ -3641,6 +3838,13 @@
     <dgm:pt modelId="{44FBA387-EEBB-4BF5-8D3B-608998B9E7FD}" type="pres">
       <dgm:prSet presAssocID="{321C0BC4-7A3B-4036-871C-D296A2CB2DDB}" presName="Name37" presStyleLbl="parChTrans1D3" presStyleIdx="6" presStyleCnt="9"/>
       <dgm:spPr/>
+      <dgm:t>
+        <a:bodyPr/>
+        <a:lstStyle/>
+        <a:p>
+          <a:endParaRPr lang="zh-TW" altLang="en-US"/>
+        </a:p>
+      </dgm:t>
     </dgm:pt>
     <dgm:pt modelId="{82E280E3-1EB5-4ADE-995A-E22FFEAF5BA1}" type="pres">
       <dgm:prSet presAssocID="{0D73AC28-ACED-48D0-A079-4DA81711ADCB}" presName="hierRoot2" presStyleCnt="0">
@@ -3676,6 +3880,13 @@
     <dgm:pt modelId="{8137936B-7370-45A3-A6F4-D3CC008BC629}" type="pres">
       <dgm:prSet presAssocID="{0D73AC28-ACED-48D0-A079-4DA81711ADCB}" presName="rootConnector" presStyleLbl="node3" presStyleIdx="6" presStyleCnt="9"/>
       <dgm:spPr/>
+      <dgm:t>
+        <a:bodyPr/>
+        <a:lstStyle/>
+        <a:p>
+          <a:endParaRPr lang="zh-TW" altLang="en-US"/>
+        </a:p>
+      </dgm:t>
     </dgm:pt>
     <dgm:pt modelId="{D4420624-D02B-4DE9-8B97-5E33323BA787}" type="pres">
       <dgm:prSet presAssocID="{0D73AC28-ACED-48D0-A079-4DA81711ADCB}" presName="hierChild4" presStyleCnt="0"/>
@@ -3688,6 +3899,13 @@
     <dgm:pt modelId="{DEE13216-85AE-4378-85FD-4F9CF1B8E0AF}" type="pres">
       <dgm:prSet presAssocID="{87B2436D-3DC2-4117-A31C-771DC7AA57DB}" presName="Name37" presStyleLbl="parChTrans1D3" presStyleIdx="7" presStyleCnt="9"/>
       <dgm:spPr/>
+      <dgm:t>
+        <a:bodyPr/>
+        <a:lstStyle/>
+        <a:p>
+          <a:endParaRPr lang="zh-TW" altLang="en-US"/>
+        </a:p>
+      </dgm:t>
     </dgm:pt>
     <dgm:pt modelId="{0AFD943C-DD45-459C-AE62-15BD24253139}" type="pres">
       <dgm:prSet presAssocID="{512B5851-4D20-436F-A149-7CC370866394}" presName="hierRoot2" presStyleCnt="0">
@@ -3712,10 +3930,24 @@
           <a:avLst/>
         </a:prstGeom>
       </dgm:spPr>
+      <dgm:t>
+        <a:bodyPr/>
+        <a:lstStyle/>
+        <a:p>
+          <a:endParaRPr lang="zh-TW" altLang="en-US"/>
+        </a:p>
+      </dgm:t>
     </dgm:pt>
     <dgm:pt modelId="{1EEBB9B4-0545-45CE-99FE-2B3C1DCB29A3}" type="pres">
       <dgm:prSet presAssocID="{512B5851-4D20-436F-A149-7CC370866394}" presName="rootConnector" presStyleLbl="node3" presStyleIdx="7" presStyleCnt="9"/>
       <dgm:spPr/>
+      <dgm:t>
+        <a:bodyPr/>
+        <a:lstStyle/>
+        <a:p>
+          <a:endParaRPr lang="zh-TW" altLang="en-US"/>
+        </a:p>
+      </dgm:t>
     </dgm:pt>
     <dgm:pt modelId="{EB3548A1-CC8B-4DC3-B951-06C1486A2BCA}" type="pres">
       <dgm:prSet presAssocID="{512B5851-4D20-436F-A149-7CC370866394}" presName="hierChild4" presStyleCnt="0"/>
@@ -3732,6 +3964,13 @@
     <dgm:pt modelId="{F1132BB0-AF75-47A3-8609-4D2E7A897F1D}" type="pres">
       <dgm:prSet presAssocID="{BFD6A540-3C43-4134-BB4B-68127730A919}" presName="Name37" presStyleLbl="parChTrans1D2" presStyleIdx="4" presStyleCnt="5"/>
       <dgm:spPr/>
+      <dgm:t>
+        <a:bodyPr/>
+        <a:lstStyle/>
+        <a:p>
+          <a:endParaRPr lang="zh-TW" altLang="en-US"/>
+        </a:p>
+      </dgm:t>
     </dgm:pt>
     <dgm:pt modelId="{7742BC2B-6084-4155-95F1-B748CCFEF1AA}" type="pres">
       <dgm:prSet presAssocID="{DAE9D4C1-9529-4971-9C00-376C900FC858}" presName="hierRoot2" presStyleCnt="0">
@@ -3763,6 +4002,13 @@
     <dgm:pt modelId="{E11D7C7D-8591-45B3-AFAA-F2E0AD6CABC5}" type="pres">
       <dgm:prSet presAssocID="{DAE9D4C1-9529-4971-9C00-376C900FC858}" presName="rootConnector" presStyleLbl="node2" presStyleIdx="4" presStyleCnt="5"/>
       <dgm:spPr/>
+      <dgm:t>
+        <a:bodyPr/>
+        <a:lstStyle/>
+        <a:p>
+          <a:endParaRPr lang="zh-TW" altLang="en-US"/>
+        </a:p>
+      </dgm:t>
     </dgm:pt>
     <dgm:pt modelId="{A6F03E78-9792-4DB3-8887-3DCE0CD130E9}" type="pres">
       <dgm:prSet presAssocID="{DAE9D4C1-9529-4971-9C00-376C900FC858}" presName="hierChild4" presStyleCnt="0"/>
@@ -3771,6 +4017,13 @@
     <dgm:pt modelId="{6B70AEF7-7B86-4FA5-A0AB-BA667FF95188}" type="pres">
       <dgm:prSet presAssocID="{32DC2203-3464-49DC-BFB6-7B62C1F6291A}" presName="Name37" presStyleLbl="parChTrans1D3" presStyleIdx="8" presStyleCnt="9"/>
       <dgm:spPr/>
+      <dgm:t>
+        <a:bodyPr/>
+        <a:lstStyle/>
+        <a:p>
+          <a:endParaRPr lang="zh-TW" altLang="en-US"/>
+        </a:p>
+      </dgm:t>
     </dgm:pt>
     <dgm:pt modelId="{074128B6-06AD-46D9-8EED-5F7F3E50450E}" type="pres">
       <dgm:prSet presAssocID="{1012EB51-3AA4-4528-B8C0-4CEFBC667C49}" presName="hierRoot2" presStyleCnt="0">
@@ -3806,6 +4059,13 @@
     <dgm:pt modelId="{E05BF53D-69E6-499E-84E3-704A9CCFE55E}" type="pres">
       <dgm:prSet presAssocID="{1012EB51-3AA4-4528-B8C0-4CEFBC667C49}" presName="rootConnector" presStyleLbl="node3" presStyleIdx="8" presStyleCnt="9"/>
       <dgm:spPr/>
+      <dgm:t>
+        <a:bodyPr/>
+        <a:lstStyle/>
+        <a:p>
+          <a:endParaRPr lang="zh-TW" altLang="en-US"/>
+        </a:p>
+      </dgm:t>
     </dgm:pt>
     <dgm:pt modelId="{2831F261-8105-4D5D-B6D3-72FFBF7E4DFA}" type="pres">
       <dgm:prSet presAssocID="{1012EB51-3AA4-4528-B8C0-4CEFBC667C49}" presName="hierChild4" presStyleCnt="0"/>
@@ -3825,66 +4085,66 @@
     </dgm:pt>
   </dgm:ptLst>
   <dgm:cxnLst>
+    <dgm:cxn modelId="{1406D1C5-D028-4B51-AC1B-AFDB74BC5717}" type="presOf" srcId="{E9CAD86E-CB21-46CE-B94B-22D35AC3A8BF}" destId="{C3A3E138-5EB8-42D0-BB9B-5CF8E78410A5}" srcOrd="1" destOrd="0" presId="urn:microsoft.com/office/officeart/2005/8/layout/orgChart1"/>
+    <dgm:cxn modelId="{A3212E6B-F720-4F80-BB71-75C0029F7965}" type="presOf" srcId="{1012EB51-3AA4-4528-B8C0-4CEFBC667C49}" destId="{E05BF53D-69E6-499E-84E3-704A9CCFE55E}" srcOrd="1" destOrd="0" presId="urn:microsoft.com/office/officeart/2005/8/layout/orgChart1"/>
+    <dgm:cxn modelId="{77B8381E-8AC6-4925-A52A-3BB4F8C1702F}" type="presOf" srcId="{512B5851-4D20-436F-A149-7CC370866394}" destId="{1EEBB9B4-0545-45CE-99FE-2B3C1DCB29A3}" srcOrd="1" destOrd="0" presId="urn:microsoft.com/office/officeart/2005/8/layout/orgChart1"/>
+    <dgm:cxn modelId="{C33F5755-3B09-42BB-96EA-6023CEE945DC}" type="presOf" srcId="{822A8367-F08A-4A9E-B6EE-8B49DD314881}" destId="{820C8BCB-CB0D-4B2B-A2A1-6529BE6B777B}" srcOrd="0" destOrd="0" presId="urn:microsoft.com/office/officeart/2005/8/layout/orgChart1"/>
+    <dgm:cxn modelId="{D8586093-6296-4C97-8A98-DB973D247E97}" type="presOf" srcId="{88701BC0-3BC4-4D6E-A745-608E267D8549}" destId="{E4285E3A-DB7A-4B47-9876-F8739183FC7A}" srcOrd="0" destOrd="0" presId="urn:microsoft.com/office/officeart/2005/8/layout/orgChart1"/>
+    <dgm:cxn modelId="{FEB6AB47-C768-4566-B351-AF7CEE33662D}" srcId="{88701BC0-3BC4-4D6E-A745-608E267D8549}" destId="{F76FE35E-0007-412A-BB13-57DA750A5E9C}" srcOrd="0" destOrd="0" parTransId="{830AFFBF-7265-45F5-BE7A-CAF76103F757}" sibTransId="{EE8989F4-C5DF-4849-A1D7-4C286C860460}"/>
+    <dgm:cxn modelId="{6EEA26B3-5CC6-4EDA-B300-D8D717AEDED6}" srcId="{822A8367-F08A-4A9E-B6EE-8B49DD314881}" destId="{FD751965-2BDC-438B-947B-D07B08C2B1EB}" srcOrd="0" destOrd="0" parTransId="{D4881C79-E3A6-4A11-A561-16944FDA7E3D}" sibTransId="{12EFC5DB-9CDD-4F3B-A3AC-272CAF5B3C58}"/>
+    <dgm:cxn modelId="{F5E9345D-EFF1-4B8E-A3C0-325BA831B35E}" srcId="{065C42A1-F9DA-4035-B731-3CDB539A67E7}" destId="{7E6144F2-4DD5-477A-91C4-5DC6A2AE156A}" srcOrd="0" destOrd="0" parTransId="{03092E38-7CE8-4281-AACE-C88713121475}" sibTransId="{078EA66B-FA38-4AF1-8E86-BB4A1ABD456A}"/>
+    <dgm:cxn modelId="{F2889513-2176-4811-A4ED-190F37020A75}" type="presOf" srcId="{627DF427-CD0D-4E70-878D-4AA51C8A005C}" destId="{3050518C-0F47-41E1-9EEA-562169427DA0}" srcOrd="1" destOrd="0" presId="urn:microsoft.com/office/officeart/2005/8/layout/orgChart1"/>
+    <dgm:cxn modelId="{6513E6B8-BFF8-4D8F-AD57-613986595CBD}" type="presOf" srcId="{32DC2203-3464-49DC-BFB6-7B62C1F6291A}" destId="{6B70AEF7-7B86-4FA5-A0AB-BA667FF95188}" srcOrd="0" destOrd="0" presId="urn:microsoft.com/office/officeart/2005/8/layout/orgChart1"/>
+    <dgm:cxn modelId="{A759525D-1652-455D-AF3A-CFA8DC84F90F}" type="presOf" srcId="{F76FE35E-0007-412A-BB13-57DA750A5E9C}" destId="{88997EF4-2904-47BD-A092-4DD3D6084653}" srcOrd="0" destOrd="0" presId="urn:microsoft.com/office/officeart/2005/8/layout/orgChart1"/>
+    <dgm:cxn modelId="{8DC5912C-A184-4720-89D7-E872E011A982}" type="presOf" srcId="{8EDF0F6A-29B5-416B-9345-20D833EBE4C6}" destId="{5A91E01C-0B7A-4F13-BC3B-4EE50BCB126E}" srcOrd="0" destOrd="0" presId="urn:microsoft.com/office/officeart/2005/8/layout/orgChart1"/>
+    <dgm:cxn modelId="{E803BC49-2BAE-44C2-B5BF-F66268FEFFCB}" type="presOf" srcId="{6251823C-0D5B-4272-8B95-4BFB4B26389D}" destId="{264D0045-93E4-47DA-A38A-DCD39CDED102}" srcOrd="0" destOrd="0" presId="urn:microsoft.com/office/officeart/2005/8/layout/orgChart1"/>
+    <dgm:cxn modelId="{44FC466E-092A-48CD-8D3D-F4EEA0D93EA4}" type="presOf" srcId="{FD751965-2BDC-438B-947B-D07B08C2B1EB}" destId="{B2855A30-360C-47D4-9654-10E3DF27B6CF}" srcOrd="1" destOrd="0" presId="urn:microsoft.com/office/officeart/2005/8/layout/orgChart1"/>
+    <dgm:cxn modelId="{26918567-0DF5-4B9A-950C-B65C2733E7F5}" type="presOf" srcId="{DAE9D4C1-9529-4971-9C00-376C900FC858}" destId="{E11D7C7D-8591-45B3-AFAA-F2E0AD6CABC5}" srcOrd="1" destOrd="0" presId="urn:microsoft.com/office/officeart/2005/8/layout/orgChart1"/>
     <dgm:cxn modelId="{6E53A23F-EFFA-42F9-B5B5-9AED24F1F45B}" type="presOf" srcId="{DE7543DB-7592-4EAD-8AF5-4D870EDC4FEF}" destId="{27DB3943-37A0-4E9E-AD70-035EC189E8B8}" srcOrd="1" destOrd="0" presId="urn:microsoft.com/office/officeart/2005/8/layout/orgChart1"/>
+    <dgm:cxn modelId="{9F5732ED-C171-4EA5-9A93-BDF78EDBAAFF}" type="presOf" srcId="{7E6144F2-4DD5-477A-91C4-5DC6A2AE156A}" destId="{FAF4249F-74CB-4177-B266-42B3F35A48EF}" srcOrd="0" destOrd="0" presId="urn:microsoft.com/office/officeart/2005/8/layout/orgChart1"/>
+    <dgm:cxn modelId="{0EC70682-EB2E-49EE-BC2C-944BB775566C}" type="presOf" srcId="{7E6144F2-4DD5-477A-91C4-5DC6A2AE156A}" destId="{D3519E94-C413-4BF1-B8EA-1755D9E51015}" srcOrd="1" destOrd="0" presId="urn:microsoft.com/office/officeart/2005/8/layout/orgChart1"/>
+    <dgm:cxn modelId="{FA9514FE-AD60-480C-84C9-211CB112CA69}" type="presOf" srcId="{C9FE2CFE-33B3-428A-A71B-F919C91E56A9}" destId="{3325CEB1-74F3-47EA-9103-89A74C3BFD21}" srcOrd="0" destOrd="0" presId="urn:microsoft.com/office/officeart/2005/8/layout/orgChart1"/>
+    <dgm:cxn modelId="{BB416EE0-F197-4F35-97A5-D421C533F7C4}" type="presOf" srcId="{27320119-E80F-4162-8F3A-3CB8909E795C}" destId="{F87E183A-7BB0-4B2A-A2A7-CBA8E8BFBD21}" srcOrd="0" destOrd="0" presId="urn:microsoft.com/office/officeart/2005/8/layout/orgChart1"/>
+    <dgm:cxn modelId="{8EFF3102-ED4B-47A4-89AF-53D0DE315E36}" type="presOf" srcId="{D7134094-D23B-4867-B1C0-8B467B464B57}" destId="{37A92CAB-72B8-4C79-B2CB-E86DAEEDC8C4}" srcOrd="1" destOrd="0" presId="urn:microsoft.com/office/officeart/2005/8/layout/orgChart1"/>
+    <dgm:cxn modelId="{799E1850-4493-400C-A9E7-4EA1E0FA9BCE}" type="presOf" srcId="{FD751965-2BDC-438B-947B-D07B08C2B1EB}" destId="{5A39BE46-6F34-4222-95A5-784F3CFF3102}" srcOrd="0" destOrd="0" presId="urn:microsoft.com/office/officeart/2005/8/layout/orgChart1"/>
     <dgm:cxn modelId="{E3C9E9C6-8B0A-4986-8790-87E7CAC22F49}" type="presOf" srcId="{0D73AC28-ACED-48D0-A079-4DA81711ADCB}" destId="{EEA0B25C-A04A-4FF8-894A-419F43B58887}" srcOrd="0" destOrd="0" presId="urn:microsoft.com/office/officeart/2005/8/layout/orgChart1"/>
-    <dgm:cxn modelId="{A0046A76-DCEA-426F-8041-D9E20D25B5B4}" type="presOf" srcId="{DE7543DB-7592-4EAD-8AF5-4D870EDC4FEF}" destId="{8780EF36-5FF2-42AC-B5DF-0A83BD959276}" srcOrd="0" destOrd="0" presId="urn:microsoft.com/office/officeart/2005/8/layout/orgChart1"/>
-    <dgm:cxn modelId="{FBE6AF83-AD82-4557-8B55-96CF2128F6A9}" srcId="{DAE9D4C1-9529-4971-9C00-376C900FC858}" destId="{1012EB51-3AA4-4528-B8C0-4CEFBC667C49}" srcOrd="0" destOrd="0" parTransId="{32DC2203-3464-49DC-BFB6-7B62C1F6291A}" sibTransId="{BE126115-FA60-4EA4-95A9-C0E81FD4C21B}"/>
-    <dgm:cxn modelId="{9F5732ED-C171-4EA5-9A93-BDF78EDBAAFF}" type="presOf" srcId="{7E6144F2-4DD5-477A-91C4-5DC6A2AE156A}" destId="{FAF4249F-74CB-4177-B266-42B3F35A48EF}" srcOrd="0" destOrd="0" presId="urn:microsoft.com/office/officeart/2005/8/layout/orgChart1"/>
-    <dgm:cxn modelId="{9E5E2B59-52EE-4B60-B206-0F393EB95020}" srcId="{FD751965-2BDC-438B-947B-D07B08C2B1EB}" destId="{DAE9D4C1-9529-4971-9C00-376C900FC858}" srcOrd="4" destOrd="0" parTransId="{BFD6A540-3C43-4134-BB4B-68127730A919}" sibTransId="{5AF9875D-8909-447F-BB36-ABBE791610AD}"/>
-    <dgm:cxn modelId="{A759525D-1652-455D-AF3A-CFA8DC84F90F}" type="presOf" srcId="{F76FE35E-0007-412A-BB13-57DA750A5E9C}" destId="{88997EF4-2904-47BD-A092-4DD3D6084653}" srcOrd="0" destOrd="0" presId="urn:microsoft.com/office/officeart/2005/8/layout/orgChart1"/>
-    <dgm:cxn modelId="{1406D1C5-D028-4B51-AC1B-AFDB74BC5717}" type="presOf" srcId="{E9CAD86E-CB21-46CE-B94B-22D35AC3A8BF}" destId="{C3A3E138-5EB8-42D0-BB9B-5CF8E78410A5}" srcOrd="1" destOrd="0" presId="urn:microsoft.com/office/officeart/2005/8/layout/orgChart1"/>
-    <dgm:cxn modelId="{FC2CE890-F891-45AE-8BCA-889F86EB24DF}" type="presOf" srcId="{0D73AC28-ACED-48D0-A079-4DA81711ADCB}" destId="{8137936B-7370-45A3-A6F4-D3CC008BC629}" srcOrd="1" destOrd="0" presId="urn:microsoft.com/office/officeart/2005/8/layout/orgChart1"/>
+    <dgm:cxn modelId="{4E43116B-12E2-4875-B99C-4F0B8162821C}" type="presOf" srcId="{E9CAD86E-CB21-46CE-B94B-22D35AC3A8BF}" destId="{21014A0C-7FC5-40B0-B906-E20543D43CA2}" srcOrd="0" destOrd="0" presId="urn:microsoft.com/office/officeart/2005/8/layout/orgChart1"/>
+    <dgm:cxn modelId="{1C2A7916-64E1-42BA-AB71-2FC7C0ED0B24}" type="presOf" srcId="{87B2436D-3DC2-4117-A31C-771DC7AA57DB}" destId="{DEE13216-85AE-4378-85FD-4F9CF1B8E0AF}" srcOrd="0" destOrd="0" presId="urn:microsoft.com/office/officeart/2005/8/layout/orgChart1"/>
+    <dgm:cxn modelId="{9BC5F867-42BB-49F1-B2BD-BEA5AC1B3E42}" type="presOf" srcId="{F76FE35E-0007-412A-BB13-57DA750A5E9C}" destId="{EB26E828-0942-4AD7-8883-5E2E6C40E665}" srcOrd="1" destOrd="0" presId="urn:microsoft.com/office/officeart/2005/8/layout/orgChart1"/>
+    <dgm:cxn modelId="{3A6FB876-DE9D-47FE-9B55-9C8F37A34A60}" srcId="{065C42A1-F9DA-4035-B731-3CDB539A67E7}" destId="{DE7543DB-7592-4EAD-8AF5-4D870EDC4FEF}" srcOrd="1" destOrd="0" parTransId="{8EDF0F6A-29B5-416B-9345-20D833EBE4C6}" sibTransId="{D800E5EB-88F2-4055-838A-86E57DB0521F}"/>
+    <dgm:cxn modelId="{8100F955-8455-41CB-B1D9-6D95AB42DCB4}" srcId="{065C42A1-F9DA-4035-B731-3CDB539A67E7}" destId="{E9CAD86E-CB21-46CE-B94B-22D35AC3A8BF}" srcOrd="2" destOrd="0" parTransId="{5318C7FD-06A4-4388-B613-2F342972AB53}" sibTransId="{230254FA-09E8-470F-8D00-AA06A8F35EBE}"/>
     <dgm:cxn modelId="{AC4FA714-C70A-4641-8BF0-F6CE7F53C823}" type="presOf" srcId="{6CA09A5E-B8A0-4A71-ADD4-346908CF8A6E}" destId="{833ADFAF-9E72-4045-B33C-ECE4CF3FA42D}" srcOrd="1" destOrd="0" presId="urn:microsoft.com/office/officeart/2005/8/layout/orgChart1"/>
-    <dgm:cxn modelId="{F2889513-2176-4811-A4ED-190F37020A75}" type="presOf" srcId="{627DF427-CD0D-4E70-878D-4AA51C8A005C}" destId="{3050518C-0F47-41E1-9EEA-562169427DA0}" srcOrd="1" destOrd="0" presId="urn:microsoft.com/office/officeart/2005/8/layout/orgChart1"/>
-    <dgm:cxn modelId="{CF503B8C-8103-4A18-80D8-ED09CA1B42A7}" srcId="{FD751965-2BDC-438B-947B-D07B08C2B1EB}" destId="{6CA09A5E-B8A0-4A71-ADD4-346908CF8A6E}" srcOrd="2" destOrd="0" parTransId="{74A45DA7-6203-427C-95E6-97496B209C6A}" sibTransId="{3727E362-0704-4530-B65C-D2B207B108AD}"/>
-    <dgm:cxn modelId="{291590C9-C9FC-4D54-A8F7-698A2606CAA9}" type="presOf" srcId="{8A06145A-C8D0-49A6-B1D3-0BBAF37DD652}" destId="{FC29A3EE-7F43-4509-8DFC-D59B745502B1}" srcOrd="0" destOrd="0" presId="urn:microsoft.com/office/officeart/2005/8/layout/orgChart1"/>
-    <dgm:cxn modelId="{4E43116B-12E2-4875-B99C-4F0B8162821C}" type="presOf" srcId="{E9CAD86E-CB21-46CE-B94B-22D35AC3A8BF}" destId="{21014A0C-7FC5-40B0-B906-E20543D43CA2}" srcOrd="0" destOrd="0" presId="urn:microsoft.com/office/officeart/2005/8/layout/orgChart1"/>
-    <dgm:cxn modelId="{1E58DCF1-24F3-45B3-874E-4A97FE667E71}" type="presOf" srcId="{DAE9D4C1-9529-4971-9C00-376C900FC858}" destId="{231A9892-CBAB-4E69-8CDD-37E341789991}" srcOrd="0" destOrd="0" presId="urn:microsoft.com/office/officeart/2005/8/layout/orgChart1"/>
-    <dgm:cxn modelId="{26918567-0DF5-4B9A-950C-B65C2733E7F5}" type="presOf" srcId="{DAE9D4C1-9529-4971-9C00-376C900FC858}" destId="{E11D7C7D-8591-45B3-AFAA-F2E0AD6CABC5}" srcOrd="1" destOrd="0" presId="urn:microsoft.com/office/officeart/2005/8/layout/orgChart1"/>
-    <dgm:cxn modelId="{F5E9345D-EFF1-4B8E-A3C0-325BA831B35E}" srcId="{065C42A1-F9DA-4035-B731-3CDB539A67E7}" destId="{7E6144F2-4DD5-477A-91C4-5DC6A2AE156A}" srcOrd="0" destOrd="0" parTransId="{03092E38-7CE8-4281-AACE-C88713121475}" sibTransId="{078EA66B-FA38-4AF1-8E86-BB4A1ABD456A}"/>
-    <dgm:cxn modelId="{8ECA84EC-70C2-4D11-8ECF-AFC6494EE622}" type="presOf" srcId="{88701BC0-3BC4-4D6E-A745-608E267D8549}" destId="{C0B8DD2D-5460-4E33-89E1-5D3026ACFDC9}" srcOrd="1" destOrd="0" presId="urn:microsoft.com/office/officeart/2005/8/layout/orgChart1"/>
-    <dgm:cxn modelId="{E803BC49-2BAE-44C2-B5BF-F66268FEFFCB}" type="presOf" srcId="{6251823C-0D5B-4272-8B95-4BFB4B26389D}" destId="{264D0045-93E4-47DA-A38A-DCD39CDED102}" srcOrd="0" destOrd="0" presId="urn:microsoft.com/office/officeart/2005/8/layout/orgChart1"/>
-    <dgm:cxn modelId="{86DF1A07-B104-48EA-9EF3-74FD4EF96B07}" type="presOf" srcId="{BFD6A540-3C43-4134-BB4B-68127730A919}" destId="{F1132BB0-AF75-47A3-8609-4D2E7A897F1D}" srcOrd="0" destOrd="0" presId="urn:microsoft.com/office/officeart/2005/8/layout/orgChart1"/>
-    <dgm:cxn modelId="{D8586093-6296-4C97-8A98-DB973D247E97}" type="presOf" srcId="{88701BC0-3BC4-4D6E-A745-608E267D8549}" destId="{E4285E3A-DB7A-4B47-9876-F8739183FC7A}" srcOrd="0" destOrd="0" presId="urn:microsoft.com/office/officeart/2005/8/layout/orgChart1"/>
-    <dgm:cxn modelId="{B2465746-37AE-4885-A1BE-9676B73C774D}" srcId="{FD751965-2BDC-438B-947B-D07B08C2B1EB}" destId="{88701BC0-3BC4-4D6E-A745-608E267D8549}" srcOrd="3" destOrd="0" parTransId="{6701841D-B29D-4F43-A04A-C0F448C8EE4B}" sibTransId="{C42A5B7E-E971-4220-A17D-C94516963056}"/>
-    <dgm:cxn modelId="{66099047-C8F8-42BA-9B85-A77C4947180E}" type="presOf" srcId="{D7134094-D23B-4867-B1C0-8B467B464B57}" destId="{7A8C1E97-CAEA-4C10-A3BA-F2C556BACFE7}" srcOrd="0" destOrd="0" presId="urn:microsoft.com/office/officeart/2005/8/layout/orgChart1"/>
-    <dgm:cxn modelId="{B1017A09-108E-4A0A-BD1F-DB728A2179F3}" srcId="{88701BC0-3BC4-4D6E-A745-608E267D8549}" destId="{0D73AC28-ACED-48D0-A079-4DA81711ADCB}" srcOrd="1" destOrd="0" parTransId="{321C0BC4-7A3B-4036-871C-D296A2CB2DDB}" sibTransId="{DBF30BB3-CAC6-410B-8E97-14FD0CD14DAA}"/>
-    <dgm:cxn modelId="{FA9514FE-AD60-480C-84C9-211CB112CA69}" type="presOf" srcId="{C9FE2CFE-33B3-428A-A71B-F919C91E56A9}" destId="{3325CEB1-74F3-47EA-9103-89A74C3BFD21}" srcOrd="0" destOrd="0" presId="urn:microsoft.com/office/officeart/2005/8/layout/orgChart1"/>
-    <dgm:cxn modelId="{420AFC4D-1BC0-4617-A369-3A6DB39E9C57}" srcId="{FD751965-2BDC-438B-947B-D07B08C2B1EB}" destId="{065C42A1-F9DA-4035-B731-3CDB539A67E7}" srcOrd="1" destOrd="0" parTransId="{27320119-E80F-4162-8F3A-3CB8909E795C}" sibTransId="{D9D1A045-241A-4511-B621-F52B845D7544}"/>
-    <dgm:cxn modelId="{8DC5912C-A184-4720-89D7-E872E011A982}" type="presOf" srcId="{8EDF0F6A-29B5-416B-9345-20D833EBE4C6}" destId="{5A91E01C-0B7A-4F13-BC3B-4EE50BCB126E}" srcOrd="0" destOrd="0" presId="urn:microsoft.com/office/officeart/2005/8/layout/orgChart1"/>
+    <dgm:cxn modelId="{0D2BF8FF-27A3-40FD-BD35-890425A52DD5}" srcId="{88701BC0-3BC4-4D6E-A745-608E267D8549}" destId="{512B5851-4D20-436F-A149-7CC370866394}" srcOrd="2" destOrd="0" parTransId="{87B2436D-3DC2-4117-A31C-771DC7AA57DB}" sibTransId="{43FD5A31-1690-4F5A-AE1E-A0A4CEED32C5}"/>
     <dgm:cxn modelId="{C182C475-233F-4A4C-9D03-0323C1532CEE}" type="presOf" srcId="{065C42A1-F9DA-4035-B731-3CDB539A67E7}" destId="{3C742D52-E814-4314-AE86-D431494B2FD6}" srcOrd="0" destOrd="0" presId="urn:microsoft.com/office/officeart/2005/8/layout/orgChart1"/>
+    <dgm:cxn modelId="{B841E35B-D098-4F20-B9C6-1A00E8ADC982}" type="presOf" srcId="{F4571858-FC3A-4093-B8F7-1E141991EFC7}" destId="{93BC48DE-105A-41DD-8BF6-6040C58E9A13}" srcOrd="0" destOrd="0" presId="urn:microsoft.com/office/officeart/2005/8/layout/orgChart1"/>
+    <dgm:cxn modelId="{B8A0AAF6-AD35-4E76-990E-277D0F949BEE}" type="presOf" srcId="{830AFFBF-7265-45F5-BE7A-CAF76103F757}" destId="{5776753B-DC49-435F-995D-2AA14F866BEA}" srcOrd="0" destOrd="0" presId="urn:microsoft.com/office/officeart/2005/8/layout/orgChart1"/>
     <dgm:cxn modelId="{D4DA67D2-9972-4CB7-ABA2-8A9554FDB951}" type="presOf" srcId="{627DF427-CD0D-4E70-878D-4AA51C8A005C}" destId="{58F8D231-E10A-4891-BA3A-DF6162AC1084}" srcOrd="0" destOrd="0" presId="urn:microsoft.com/office/officeart/2005/8/layout/orgChart1"/>
     <dgm:cxn modelId="{C40C296E-62A8-4DAF-B59E-C4BE71D4D5C5}" srcId="{FD751965-2BDC-438B-947B-D07B08C2B1EB}" destId="{D7134094-D23B-4867-B1C0-8B467B464B57}" srcOrd="0" destOrd="0" parTransId="{6251823C-0D5B-4272-8B95-4BFB4B26389D}" sibTransId="{2D5FD406-0298-43FD-AB8D-A90374CC4AC6}"/>
-    <dgm:cxn modelId="{799E1850-4493-400C-A9E7-4EA1E0FA9BCE}" type="presOf" srcId="{FD751965-2BDC-438B-947B-D07B08C2B1EB}" destId="{5A39BE46-6F34-4222-95A5-784F3CFF3102}" srcOrd="0" destOrd="0" presId="urn:microsoft.com/office/officeart/2005/8/layout/orgChart1"/>
+    <dgm:cxn modelId="{A6CE5A71-930D-409C-965D-E3EC5910741F}" srcId="{D7134094-D23B-4867-B1C0-8B467B464B57}" destId="{627DF427-CD0D-4E70-878D-4AA51C8A005C}" srcOrd="0" destOrd="0" parTransId="{8A06145A-C8D0-49A6-B1D3-0BBAF37DD652}" sibTransId="{D01C5705-F547-4BB9-846D-3977ED505D59}"/>
+    <dgm:cxn modelId="{DDFDBA0C-5968-42DD-90E3-721AAC061FF4}" type="presOf" srcId="{C9FE2CFE-33B3-428A-A71B-F919C91E56A9}" destId="{B44BC3D0-5E73-423E-9FF3-3D41C3E3D1DE}" srcOrd="1" destOrd="0" presId="urn:microsoft.com/office/officeart/2005/8/layout/orgChart1"/>
+    <dgm:cxn modelId="{291590C9-C9FC-4D54-A8F7-698A2606CAA9}" type="presOf" srcId="{8A06145A-C8D0-49A6-B1D3-0BBAF37DD652}" destId="{FC29A3EE-7F43-4509-8DFC-D59B745502B1}" srcOrd="0" destOrd="0" presId="urn:microsoft.com/office/officeart/2005/8/layout/orgChart1"/>
+    <dgm:cxn modelId="{FBE6AF83-AD82-4557-8B55-96CF2128F6A9}" srcId="{DAE9D4C1-9529-4971-9C00-376C900FC858}" destId="{1012EB51-3AA4-4528-B8C0-4CEFBC667C49}" srcOrd="0" destOrd="0" parTransId="{32DC2203-3464-49DC-BFB6-7B62C1F6291A}" sibTransId="{BE126115-FA60-4EA4-95A9-C0E81FD4C21B}"/>
+    <dgm:cxn modelId="{80753897-E5B5-4ED8-9549-5100AF089CFB}" srcId="{6CA09A5E-B8A0-4A71-ADD4-346908CF8A6E}" destId="{C9FE2CFE-33B3-428A-A71B-F919C91E56A9}" srcOrd="0" destOrd="0" parTransId="{F4571858-FC3A-4093-B8F7-1E141991EFC7}" sibTransId="{A4286B5A-0778-4A0B-A600-F7CDFBC7DE95}"/>
+    <dgm:cxn modelId="{420AFC4D-1BC0-4617-A369-3A6DB39E9C57}" srcId="{FD751965-2BDC-438B-947B-D07B08C2B1EB}" destId="{065C42A1-F9DA-4035-B731-3CDB539A67E7}" srcOrd="1" destOrd="0" parTransId="{27320119-E80F-4162-8F3A-3CB8909E795C}" sibTransId="{D9D1A045-241A-4511-B621-F52B845D7544}"/>
+    <dgm:cxn modelId="{1E58DCF1-24F3-45B3-874E-4A97FE667E71}" type="presOf" srcId="{DAE9D4C1-9529-4971-9C00-376C900FC858}" destId="{231A9892-CBAB-4E69-8CDD-37E341789991}" srcOrd="0" destOrd="0" presId="urn:microsoft.com/office/officeart/2005/8/layout/orgChart1"/>
+    <dgm:cxn modelId="{9A00F4F2-BB9F-4A2A-BE01-896FC2D41715}" type="presOf" srcId="{5318C7FD-06A4-4388-B613-2F342972AB53}" destId="{43DDFD52-ABBA-4B36-9E55-C7B224745957}" srcOrd="0" destOrd="0" presId="urn:microsoft.com/office/officeart/2005/8/layout/orgChart1"/>
+    <dgm:cxn modelId="{B1017A09-108E-4A0A-BD1F-DB728A2179F3}" srcId="{88701BC0-3BC4-4D6E-A745-608E267D8549}" destId="{0D73AC28-ACED-48D0-A079-4DA81711ADCB}" srcOrd="1" destOrd="0" parTransId="{321C0BC4-7A3B-4036-871C-D296A2CB2DDB}" sibTransId="{DBF30BB3-CAC6-410B-8E97-14FD0CD14DAA}"/>
+    <dgm:cxn modelId="{66099047-C8F8-42BA-9B85-A77C4947180E}" type="presOf" srcId="{D7134094-D23B-4867-B1C0-8B467B464B57}" destId="{7A8C1E97-CAEA-4C10-A3BA-F2C556BACFE7}" srcOrd="0" destOrd="0" presId="urn:microsoft.com/office/officeart/2005/8/layout/orgChart1"/>
+    <dgm:cxn modelId="{1C996775-D37A-45AA-B5AA-CAA6C6F0D319}" type="presOf" srcId="{321C0BC4-7A3B-4036-871C-D296A2CB2DDB}" destId="{44FBA387-EEBB-4BF5-8D3B-608998B9E7FD}" srcOrd="0" destOrd="0" presId="urn:microsoft.com/office/officeart/2005/8/layout/orgChart1"/>
+    <dgm:cxn modelId="{F2913B3C-6525-4301-B0B4-20C058F3E45A}" type="presOf" srcId="{03092E38-7CE8-4281-AACE-C88713121475}" destId="{D686A4DD-0432-408F-BE4B-506D71F04291}" srcOrd="0" destOrd="0" presId="urn:microsoft.com/office/officeart/2005/8/layout/orgChart1"/>
+    <dgm:cxn modelId="{86DF1A07-B104-48EA-9EF3-74FD4EF96B07}" type="presOf" srcId="{BFD6A540-3C43-4134-BB4B-68127730A919}" destId="{F1132BB0-AF75-47A3-8609-4D2E7A897F1D}" srcOrd="0" destOrd="0" presId="urn:microsoft.com/office/officeart/2005/8/layout/orgChart1"/>
+    <dgm:cxn modelId="{A082049D-4A18-4BDD-AF7D-EB8D5485FC2A}" type="presOf" srcId="{512B5851-4D20-436F-A149-7CC370866394}" destId="{AEAD0110-FF99-4697-B796-25890CE39880}" srcOrd="0" destOrd="0" presId="urn:microsoft.com/office/officeart/2005/8/layout/orgChart1"/>
+    <dgm:cxn modelId="{3276193A-1081-4A2A-BECE-43BCD942F84E}" type="presOf" srcId="{1012EB51-3AA4-4528-B8C0-4CEFBC667C49}" destId="{99AEAEB4-D6DB-4791-89AD-233421E02782}" srcOrd="0" destOrd="0" presId="urn:microsoft.com/office/officeart/2005/8/layout/orgChart1"/>
+    <dgm:cxn modelId="{8ECA84EC-70C2-4D11-8ECF-AFC6494EE622}" type="presOf" srcId="{88701BC0-3BC4-4D6E-A745-608E267D8549}" destId="{C0B8DD2D-5460-4E33-89E1-5D3026ACFDC9}" srcOrd="1" destOrd="0" presId="urn:microsoft.com/office/officeart/2005/8/layout/orgChart1"/>
     <dgm:cxn modelId="{BC2DE4B4-8772-4171-9415-0A918FEE2C98}" type="presOf" srcId="{065C42A1-F9DA-4035-B731-3CDB539A67E7}" destId="{BA564F73-3FDB-4C3A-9837-45278937B477}" srcOrd="1" destOrd="0" presId="urn:microsoft.com/office/officeart/2005/8/layout/orgChart1"/>
-    <dgm:cxn modelId="{44FC466E-092A-48CD-8D3D-F4EEA0D93EA4}" type="presOf" srcId="{FD751965-2BDC-438B-947B-D07B08C2B1EB}" destId="{B2855A30-360C-47D4-9654-10E3DF27B6CF}" srcOrd="1" destOrd="0" presId="urn:microsoft.com/office/officeart/2005/8/layout/orgChart1"/>
-    <dgm:cxn modelId="{B8A0AAF6-AD35-4E76-990E-277D0F949BEE}" type="presOf" srcId="{830AFFBF-7265-45F5-BE7A-CAF76103F757}" destId="{5776753B-DC49-435F-995D-2AA14F866BEA}" srcOrd="0" destOrd="0" presId="urn:microsoft.com/office/officeart/2005/8/layout/orgChart1"/>
-    <dgm:cxn modelId="{1C996775-D37A-45AA-B5AA-CAA6C6F0D319}" type="presOf" srcId="{321C0BC4-7A3B-4036-871C-D296A2CB2DDB}" destId="{44FBA387-EEBB-4BF5-8D3B-608998B9E7FD}" srcOrd="0" destOrd="0" presId="urn:microsoft.com/office/officeart/2005/8/layout/orgChart1"/>
-    <dgm:cxn modelId="{C33F5755-3B09-42BB-96EA-6023CEE945DC}" type="presOf" srcId="{822A8367-F08A-4A9E-B6EE-8B49DD314881}" destId="{820C8BCB-CB0D-4B2B-A2A1-6529BE6B777B}" srcOrd="0" destOrd="0" presId="urn:microsoft.com/office/officeart/2005/8/layout/orgChart1"/>
-    <dgm:cxn modelId="{80753897-E5B5-4ED8-9549-5100AF089CFB}" srcId="{6CA09A5E-B8A0-4A71-ADD4-346908CF8A6E}" destId="{C9FE2CFE-33B3-428A-A71B-F919C91E56A9}" srcOrd="0" destOrd="0" parTransId="{F4571858-FC3A-4093-B8F7-1E141991EFC7}" sibTransId="{A4286B5A-0778-4A0B-A600-F7CDFBC7DE95}"/>
-    <dgm:cxn modelId="{BB416EE0-F197-4F35-97A5-D421C533F7C4}" type="presOf" srcId="{27320119-E80F-4162-8F3A-3CB8909E795C}" destId="{F87E183A-7BB0-4B2A-A2A7-CBA8E8BFBD21}" srcOrd="0" destOrd="0" presId="urn:microsoft.com/office/officeart/2005/8/layout/orgChart1"/>
-    <dgm:cxn modelId="{6513E6B8-BFF8-4D8F-AD57-613986595CBD}" type="presOf" srcId="{32DC2203-3464-49DC-BFB6-7B62C1F6291A}" destId="{6B70AEF7-7B86-4FA5-A0AB-BA667FF95188}" srcOrd="0" destOrd="0" presId="urn:microsoft.com/office/officeart/2005/8/layout/orgChart1"/>
+    <dgm:cxn modelId="{9E5E2B59-52EE-4B60-B206-0F393EB95020}" srcId="{FD751965-2BDC-438B-947B-D07B08C2B1EB}" destId="{DAE9D4C1-9529-4971-9C00-376C900FC858}" srcOrd="4" destOrd="0" parTransId="{BFD6A540-3C43-4134-BB4B-68127730A919}" sibTransId="{5AF9875D-8909-447F-BB36-ABBE791610AD}"/>
+    <dgm:cxn modelId="{FC2CE890-F891-45AE-8BCA-889F86EB24DF}" type="presOf" srcId="{0D73AC28-ACED-48D0-A079-4DA81711ADCB}" destId="{8137936B-7370-45A3-A6F4-D3CC008BC629}" srcOrd="1" destOrd="0" presId="urn:microsoft.com/office/officeart/2005/8/layout/orgChart1"/>
+    <dgm:cxn modelId="{4E102A7B-4796-4B3B-9539-375681D81A6B}" type="presOf" srcId="{74A45DA7-6203-427C-95E6-97496B209C6A}" destId="{A1DE884E-05B8-4BDA-8B97-EB107522A13B}" srcOrd="0" destOrd="0" presId="urn:microsoft.com/office/officeart/2005/8/layout/orgChart1"/>
+    <dgm:cxn modelId="{85003C4A-40BA-4EFB-9438-BC6E7062CA9B}" type="presOf" srcId="{6CA09A5E-B8A0-4A71-ADD4-346908CF8A6E}" destId="{F7DE2FBB-2B3A-4552-868C-42F64B9B986F}" srcOrd="0" destOrd="0" presId="urn:microsoft.com/office/officeart/2005/8/layout/orgChart1"/>
     <dgm:cxn modelId="{A3CF2F78-C8EB-4196-814F-4196E9373A3E}" type="presOf" srcId="{6701841D-B29D-4F43-A04A-C0F448C8EE4B}" destId="{AE85C9AC-A96D-453C-B30C-912E36B3230A}" srcOrd="0" destOrd="0" presId="urn:microsoft.com/office/officeart/2005/8/layout/orgChart1"/>
-    <dgm:cxn modelId="{9BC5F867-42BB-49F1-B2BD-BEA5AC1B3E42}" type="presOf" srcId="{F76FE35E-0007-412A-BB13-57DA750A5E9C}" destId="{EB26E828-0942-4AD7-8883-5E2E6C40E665}" srcOrd="1" destOrd="0" presId="urn:microsoft.com/office/officeart/2005/8/layout/orgChart1"/>
-    <dgm:cxn modelId="{DDFDBA0C-5968-42DD-90E3-721AAC061FF4}" type="presOf" srcId="{C9FE2CFE-33B3-428A-A71B-F919C91E56A9}" destId="{B44BC3D0-5E73-423E-9FF3-3D41C3E3D1DE}" srcOrd="1" destOrd="0" presId="urn:microsoft.com/office/officeart/2005/8/layout/orgChart1"/>
-    <dgm:cxn modelId="{A082049D-4A18-4BDD-AF7D-EB8D5485FC2A}" type="presOf" srcId="{512B5851-4D20-436F-A149-7CC370866394}" destId="{AEAD0110-FF99-4697-B796-25890CE39880}" srcOrd="0" destOrd="0" presId="urn:microsoft.com/office/officeart/2005/8/layout/orgChart1"/>
-    <dgm:cxn modelId="{A3212E6B-F720-4F80-BB71-75C0029F7965}" type="presOf" srcId="{1012EB51-3AA4-4528-B8C0-4CEFBC667C49}" destId="{E05BF53D-69E6-499E-84E3-704A9CCFE55E}" srcOrd="1" destOrd="0" presId="urn:microsoft.com/office/officeart/2005/8/layout/orgChart1"/>
-    <dgm:cxn modelId="{8EFF3102-ED4B-47A4-89AF-53D0DE315E36}" type="presOf" srcId="{D7134094-D23B-4867-B1C0-8B467B464B57}" destId="{37A92CAB-72B8-4C79-B2CB-E86DAEEDC8C4}" srcOrd="1" destOrd="0" presId="urn:microsoft.com/office/officeart/2005/8/layout/orgChart1"/>
-    <dgm:cxn modelId="{4E102A7B-4796-4B3B-9539-375681D81A6B}" type="presOf" srcId="{74A45DA7-6203-427C-95E6-97496B209C6A}" destId="{A1DE884E-05B8-4BDA-8B97-EB107522A13B}" srcOrd="0" destOrd="0" presId="urn:microsoft.com/office/officeart/2005/8/layout/orgChart1"/>
-    <dgm:cxn modelId="{FEB6AB47-C768-4566-B351-AF7CEE33662D}" srcId="{88701BC0-3BC4-4D6E-A745-608E267D8549}" destId="{F76FE35E-0007-412A-BB13-57DA750A5E9C}" srcOrd="0" destOrd="0" parTransId="{830AFFBF-7265-45F5-BE7A-CAF76103F757}" sibTransId="{EE8989F4-C5DF-4849-A1D7-4C286C860460}"/>
-    <dgm:cxn modelId="{9A00F4F2-BB9F-4A2A-BE01-896FC2D41715}" type="presOf" srcId="{5318C7FD-06A4-4388-B613-2F342972AB53}" destId="{43DDFD52-ABBA-4B36-9E55-C7B224745957}" srcOrd="0" destOrd="0" presId="urn:microsoft.com/office/officeart/2005/8/layout/orgChart1"/>
-    <dgm:cxn modelId="{0EC70682-EB2E-49EE-BC2C-944BB775566C}" type="presOf" srcId="{7E6144F2-4DD5-477A-91C4-5DC6A2AE156A}" destId="{D3519E94-C413-4BF1-B8EA-1755D9E51015}" srcOrd="1" destOrd="0" presId="urn:microsoft.com/office/officeart/2005/8/layout/orgChart1"/>
-    <dgm:cxn modelId="{85003C4A-40BA-4EFB-9438-BC6E7062CA9B}" type="presOf" srcId="{6CA09A5E-B8A0-4A71-ADD4-346908CF8A6E}" destId="{F7DE2FBB-2B3A-4552-868C-42F64B9B986F}" srcOrd="0" destOrd="0" presId="urn:microsoft.com/office/officeart/2005/8/layout/orgChart1"/>
-    <dgm:cxn modelId="{A6CE5A71-930D-409C-965D-E3EC5910741F}" srcId="{D7134094-D23B-4867-B1C0-8B467B464B57}" destId="{627DF427-CD0D-4E70-878D-4AA51C8A005C}" srcOrd="0" destOrd="0" parTransId="{8A06145A-C8D0-49A6-B1D3-0BBAF37DD652}" sibTransId="{D01C5705-F547-4BB9-846D-3977ED505D59}"/>
-    <dgm:cxn modelId="{3276193A-1081-4A2A-BECE-43BCD942F84E}" type="presOf" srcId="{1012EB51-3AA4-4528-B8C0-4CEFBC667C49}" destId="{99AEAEB4-D6DB-4791-89AD-233421E02782}" srcOrd="0" destOrd="0" presId="urn:microsoft.com/office/officeart/2005/8/layout/orgChart1"/>
-    <dgm:cxn modelId="{F2913B3C-6525-4301-B0B4-20C058F3E45A}" type="presOf" srcId="{03092E38-7CE8-4281-AACE-C88713121475}" destId="{D686A4DD-0432-408F-BE4B-506D71F04291}" srcOrd="0" destOrd="0" presId="urn:microsoft.com/office/officeart/2005/8/layout/orgChart1"/>
-    <dgm:cxn modelId="{0D2BF8FF-27A3-40FD-BD35-890425A52DD5}" srcId="{88701BC0-3BC4-4D6E-A745-608E267D8549}" destId="{512B5851-4D20-436F-A149-7CC370866394}" srcOrd="2" destOrd="0" parTransId="{87B2436D-3DC2-4117-A31C-771DC7AA57DB}" sibTransId="{43FD5A31-1690-4F5A-AE1E-A0A4CEED32C5}"/>
-    <dgm:cxn modelId="{77B8381E-8AC6-4925-A52A-3BB4F8C1702F}" type="presOf" srcId="{512B5851-4D20-436F-A149-7CC370866394}" destId="{1EEBB9B4-0545-45CE-99FE-2B3C1DCB29A3}" srcOrd="1" destOrd="0" presId="urn:microsoft.com/office/officeart/2005/8/layout/orgChart1"/>
-    <dgm:cxn modelId="{1C2A7916-64E1-42BA-AB71-2FC7C0ED0B24}" type="presOf" srcId="{87B2436D-3DC2-4117-A31C-771DC7AA57DB}" destId="{DEE13216-85AE-4378-85FD-4F9CF1B8E0AF}" srcOrd="0" destOrd="0" presId="urn:microsoft.com/office/officeart/2005/8/layout/orgChart1"/>
-    <dgm:cxn modelId="{3A6FB876-DE9D-47FE-9B55-9C8F37A34A60}" srcId="{065C42A1-F9DA-4035-B731-3CDB539A67E7}" destId="{DE7543DB-7592-4EAD-8AF5-4D870EDC4FEF}" srcOrd="1" destOrd="0" parTransId="{8EDF0F6A-29B5-416B-9345-20D833EBE4C6}" sibTransId="{D800E5EB-88F2-4055-838A-86E57DB0521F}"/>
-    <dgm:cxn modelId="{6EEA26B3-5CC6-4EDA-B300-D8D717AEDED6}" srcId="{822A8367-F08A-4A9E-B6EE-8B49DD314881}" destId="{FD751965-2BDC-438B-947B-D07B08C2B1EB}" srcOrd="0" destOrd="0" parTransId="{D4881C79-E3A6-4A11-A561-16944FDA7E3D}" sibTransId="{12EFC5DB-9CDD-4F3B-A3AC-272CAF5B3C58}"/>
-    <dgm:cxn modelId="{8100F955-8455-41CB-B1D9-6D95AB42DCB4}" srcId="{065C42A1-F9DA-4035-B731-3CDB539A67E7}" destId="{E9CAD86E-CB21-46CE-B94B-22D35AC3A8BF}" srcOrd="2" destOrd="0" parTransId="{5318C7FD-06A4-4388-B613-2F342972AB53}" sibTransId="{230254FA-09E8-470F-8D00-AA06A8F35EBE}"/>
-    <dgm:cxn modelId="{B841E35B-D098-4F20-B9C6-1A00E8ADC982}" type="presOf" srcId="{F4571858-FC3A-4093-B8F7-1E141991EFC7}" destId="{93BC48DE-105A-41DD-8BF6-6040C58E9A13}" srcOrd="0" destOrd="0" presId="urn:microsoft.com/office/officeart/2005/8/layout/orgChart1"/>
+    <dgm:cxn modelId="{A0046A76-DCEA-426F-8041-D9E20D25B5B4}" type="presOf" srcId="{DE7543DB-7592-4EAD-8AF5-4D870EDC4FEF}" destId="{8780EF36-5FF2-42AC-B5DF-0A83BD959276}" srcOrd="0" destOrd="0" presId="urn:microsoft.com/office/officeart/2005/8/layout/orgChart1"/>
+    <dgm:cxn modelId="{B2465746-37AE-4885-A1BE-9676B73C774D}" srcId="{FD751965-2BDC-438B-947B-D07B08C2B1EB}" destId="{88701BC0-3BC4-4D6E-A745-608E267D8549}" srcOrd="3" destOrd="0" parTransId="{6701841D-B29D-4F43-A04A-C0F448C8EE4B}" sibTransId="{C42A5B7E-E971-4220-A17D-C94516963056}"/>
+    <dgm:cxn modelId="{CF503B8C-8103-4A18-80D8-ED09CA1B42A7}" srcId="{FD751965-2BDC-438B-947B-D07B08C2B1EB}" destId="{6CA09A5E-B8A0-4A71-ADD4-346908CF8A6E}" srcOrd="2" destOrd="0" parTransId="{74A45DA7-6203-427C-95E6-97496B209C6A}" sibTransId="{3727E362-0704-4530-B65C-D2B207B108AD}"/>
     <dgm:cxn modelId="{43DF34B4-3782-45C9-A859-503DC4CF92AF}" type="presParOf" srcId="{820C8BCB-CB0D-4B2B-A2A1-6529BE6B777B}" destId="{8AC159B6-ACBE-45C7-B5BD-856E7FF1547A}" srcOrd="0" destOrd="0" presId="urn:microsoft.com/office/officeart/2005/8/layout/orgChart1"/>
     <dgm:cxn modelId="{755BFF80-153E-49BF-ADFF-A5D1E76B718A}" type="presParOf" srcId="{8AC159B6-ACBE-45C7-B5BD-856E7FF1547A}" destId="{7243BD77-DD01-4D35-9163-00750BE4F3FC}" srcOrd="0" destOrd="0" presId="urn:microsoft.com/office/officeart/2005/8/layout/orgChart1"/>
     <dgm:cxn modelId="{A488309D-9D56-4214-B689-2AECB4E33B46}" type="presParOf" srcId="{7243BD77-DD01-4D35-9163-00750BE4F3FC}" destId="{5A39BE46-6F34-4222-95A5-784F3CFF3102}" srcOrd="0" destOrd="0" presId="urn:microsoft.com/office/officeart/2005/8/layout/orgChart1"/>
@@ -16574,6 +16834,13 @@
   <p:clrMapOvr>
     <a:masterClrMapping/>
   </p:clrMapOvr>
+  <p:timing>
+    <p:tnLst>
+      <p:par>
+        <p:cTn id="1" dur="indefinite" restart="never" nodeType="tmRoot"/>
+      </p:par>
+    </p:tnLst>
+  </p:timing>
 </p:sld>
 </file>
 
@@ -16716,16 +16983,7 @@
                 <a:cs typeface="Calibri"/>
                 <a:sym typeface="Calibri"/>
               </a:rPr>
-              <a:t>．網站</a:t>
-            </a:r>
-            <a:r>
-              <a:rPr lang="zh-TW" altLang="en-US" spc="20" dirty="0" smtClean="0">
-                <a:latin typeface="標楷體" pitchFamily="65" charset="-120"/>
-                <a:ea typeface="標楷體" pitchFamily="65" charset="-120"/>
-                <a:cs typeface="Calibri"/>
-                <a:sym typeface="Calibri"/>
-              </a:rPr>
-              <a:t>規劃</a:t>
+              <a:t>．網站規劃</a:t>
             </a:r>
             <a:endParaRPr lang="en-US" altLang="zh-TW" spc="20" dirty="0" smtClean="0">
               <a:latin typeface="標楷體" pitchFamily="65" charset="-120"/>
@@ -16790,12 +17048,6 @@
               </a:rPr>
               <a:t>PHP</a:t>
             </a:r>
-            <a:endParaRPr lang="en-US" altLang="zh-TW" spc="20" dirty="0" smtClean="0">
-              <a:latin typeface="標楷體" pitchFamily="65" charset="-120"/>
-              <a:ea typeface="標楷體" pitchFamily="65" charset="-120"/>
-              <a:cs typeface="Calibri"/>
-              <a:sym typeface="Calibri"/>
-            </a:endParaRPr>
           </a:p>
           <a:p>
             <a:pPr marL="0" lvl="0" indent="0" algn="l" rtl="0">
@@ -16842,7 +17094,7 @@
         <p:spPr>
           <a:xfrm>
             <a:off x="2693646" y="2456028"/>
-            <a:ext cx="1084912" cy="769441"/>
+            <a:ext cx="1084912" cy="984885"/>
           </a:xfrm>
           <a:prstGeom prst="rect">
             <a:avLst/>
@@ -16888,16 +17140,7 @@
                 <a:cs typeface="Calibri"/>
                 <a:sym typeface="Calibri"/>
               </a:rPr>
-              <a:t>版面</a:t>
-            </a:r>
-            <a:r>
-              <a:rPr lang="zh-TW" altLang="en-US" dirty="0" smtClean="0">
-                <a:latin typeface="標楷體" pitchFamily="65" charset="-120"/>
-                <a:ea typeface="標楷體" pitchFamily="65" charset="-120"/>
-                <a:cs typeface="Calibri"/>
-                <a:sym typeface="Calibri"/>
-              </a:rPr>
-              <a:t>設計</a:t>
+              <a:t>版面設計</a:t>
             </a:r>
             <a:endParaRPr lang="en-US" altLang="zh-TW" dirty="0" smtClean="0">
               <a:latin typeface="標楷體" pitchFamily="65" charset="-120"/>
@@ -16925,7 +17168,18 @@
               </a:rPr>
               <a:t>PHP</a:t>
             </a:r>
-            <a:endParaRPr lang="zh-TW" altLang="en-US" spc="80" dirty="0" smtClean="0">
+          </a:p>
+          <a:p>
+            <a:r>
+              <a:rPr lang="zh-TW" altLang="en-US" spc="20" dirty="0" smtClean="0">
+                <a:latin typeface="標楷體" pitchFamily="65" charset="-120"/>
+                <a:ea typeface="標楷體" pitchFamily="65" charset="-120"/>
+                <a:cs typeface="Calibri"/>
+                <a:sym typeface="Calibri"/>
+              </a:rPr>
+              <a:t>．頁面整合</a:t>
+            </a:r>
+            <a:endParaRPr lang="en-US" altLang="zh-TW" spc="80" dirty="0" smtClean="0">
               <a:latin typeface="標楷體" pitchFamily="65" charset="-120"/>
               <a:ea typeface="標楷體" pitchFamily="65" charset="-120"/>
               <a:cs typeface="Calibri"/>
@@ -16989,16 +17243,7 @@
                 <a:cs typeface="Calibri"/>
                 <a:sym typeface="Calibri"/>
               </a:rPr>
-              <a:t>會員</a:t>
-            </a:r>
-            <a:r>
-              <a:rPr lang="zh-TW" altLang="en-US" dirty="0" smtClean="0">
-                <a:latin typeface="標楷體" pitchFamily="65" charset="-120"/>
-                <a:ea typeface="標楷體" pitchFamily="65" charset="-120"/>
-                <a:cs typeface="Calibri"/>
-                <a:sym typeface="Calibri"/>
-              </a:rPr>
-              <a:t>功能</a:t>
+              <a:t>會員功能</a:t>
             </a:r>
             <a:endParaRPr lang="en-US" altLang="zh-TW" dirty="0" smtClean="0">
               <a:latin typeface="標楷體" pitchFamily="65" charset="-120"/>
@@ -17024,16 +17269,7 @@
                 <a:cs typeface="Calibri"/>
                 <a:sym typeface="Calibri"/>
               </a:rPr>
-              <a:t>前</a:t>
-            </a:r>
-            <a:r>
-              <a:rPr lang="zh-TW" altLang="en-US" dirty="0" smtClean="0">
-                <a:latin typeface="標楷體" pitchFamily="65" charset="-120"/>
-                <a:ea typeface="標楷體" pitchFamily="65" charset="-120"/>
-                <a:cs typeface="Calibri"/>
-                <a:sym typeface="Calibri"/>
-              </a:rPr>
-              <a:t>端細部微調</a:t>
+              <a:t>前端細部微調</a:t>
             </a:r>
             <a:endParaRPr lang="en-US" altLang="zh-TW" dirty="0" smtClean="0">
               <a:latin typeface="標楷體" pitchFamily="65" charset="-120"/>
@@ -17059,16 +17295,7 @@
                 <a:cs typeface="Calibri"/>
                 <a:sym typeface="Calibri"/>
               </a:rPr>
-              <a:t>蒐集</a:t>
-            </a:r>
-            <a:r>
-              <a:rPr lang="zh-TW" altLang="en-US" dirty="0" smtClean="0">
-                <a:latin typeface="標楷體" pitchFamily="65" charset="-120"/>
-                <a:ea typeface="標楷體" pitchFamily="65" charset="-120"/>
-                <a:cs typeface="Calibri"/>
-                <a:sym typeface="Calibri"/>
-              </a:rPr>
-              <a:t>資料</a:t>
+              <a:t>蒐集資料</a:t>
             </a:r>
           </a:p>
         </p:txBody>
@@ -17128,16 +17355,7 @@
                 <a:cs typeface="Calibri"/>
                 <a:sym typeface="Calibri"/>
               </a:rPr>
-              <a:t>網站</a:t>
-            </a:r>
-            <a:r>
-              <a:rPr lang="zh-TW" altLang="en-US" dirty="0" smtClean="0">
-                <a:latin typeface="標楷體" pitchFamily="65" charset="-120"/>
-                <a:ea typeface="標楷體" pitchFamily="65" charset="-120"/>
-                <a:cs typeface="Calibri"/>
-                <a:sym typeface="Calibri"/>
-              </a:rPr>
-              <a:t>首頁設計</a:t>
+              <a:t>網站首頁設計</a:t>
             </a:r>
             <a:endParaRPr lang="en-US" altLang="zh-TW" dirty="0" smtClean="0">
               <a:latin typeface="標楷體" pitchFamily="65" charset="-120"/>
@@ -17295,12 +17513,6 @@
               </a:rPr>
               <a:t>網頁建置</a:t>
             </a:r>
-            <a:endParaRPr lang="zh-TW" altLang="en-US" dirty="0" smtClean="0">
-              <a:latin typeface="標楷體" pitchFamily="65" charset="-120"/>
-              <a:ea typeface="標楷體" pitchFamily="65" charset="-120"/>
-              <a:cs typeface="Calibri"/>
-              <a:sym typeface="Calibri"/>
-            </a:endParaRPr>
           </a:p>
         </p:txBody>
       </p:sp>
@@ -17449,6 +17661,13 @@
   <p:clrMapOvr>
     <a:masterClrMapping/>
   </p:clrMapOvr>
+  <p:timing>
+    <p:tnLst>
+      <p:par>
+        <p:cTn id="1" dur="indefinite" restart="never" nodeType="tmRoot"/>
+      </p:par>
+    </p:tnLst>
+  </p:timing>
 </p:sld>
 </file>
 
@@ -17538,6 +17757,135 @@
   <p:clrMapOvr>
     <a:masterClrMapping/>
   </p:clrMapOvr>
+  <p:timing>
+    <p:tnLst>
+      <p:par>
+        <p:cTn id="1" dur="indefinite" restart="never" nodeType="tmRoot">
+          <p:childTnLst>
+            <p:seq concurrent="1" nextAc="seek">
+              <p:cTn id="2" dur="indefinite" nodeType="mainSeq">
+                <p:childTnLst>
+                  <p:par>
+                    <p:cTn id="3" fill="hold">
+                      <p:stCondLst>
+                        <p:cond delay="indefinite"/>
+                        <p:cond evt="onBegin" delay="0">
+                          <p:tn val="2"/>
+                        </p:cond>
+                      </p:stCondLst>
+                      <p:childTnLst>
+                        <p:par>
+                          <p:cTn id="4" fill="hold">
+                            <p:stCondLst>
+                              <p:cond delay="0"/>
+                            </p:stCondLst>
+                            <p:childTnLst>
+                              <p:par>
+                                <p:cTn id="5" presetID="2" presetClass="entr" presetSubtype="2" fill="hold" grpId="0" nodeType="afterEffect">
+                                  <p:stCondLst>
+                                    <p:cond delay="0"/>
+                                  </p:stCondLst>
+                                  <p:childTnLst>
+                                    <p:set>
+                                      <p:cBhvr>
+                                        <p:cTn id="6" dur="1" fill="hold">
+                                          <p:stCondLst>
+                                            <p:cond delay="0"/>
+                                          </p:stCondLst>
+                                        </p:cTn>
+                                        <p:tgtEl>
+                                          <p:spTgt spid="15"/>
+                                        </p:tgtEl>
+                                        <p:attrNameLst>
+                                          <p:attrName>style.visibility</p:attrName>
+                                        </p:attrNameLst>
+                                      </p:cBhvr>
+                                      <p:to>
+                                        <p:strVal val="visible"/>
+                                      </p:to>
+                                    </p:set>
+                                    <p:anim calcmode="lin" valueType="num">
+                                      <p:cBhvr additive="base">
+                                        <p:cTn id="7" dur="500" fill="hold"/>
+                                        <p:tgtEl>
+                                          <p:spTgt spid="15"/>
+                                        </p:tgtEl>
+                                        <p:attrNameLst>
+                                          <p:attrName>ppt_x</p:attrName>
+                                        </p:attrNameLst>
+                                      </p:cBhvr>
+                                      <p:tavLst>
+                                        <p:tav tm="0">
+                                          <p:val>
+                                            <p:strVal val="1+#ppt_w/2"/>
+                                          </p:val>
+                                        </p:tav>
+                                        <p:tav tm="100000">
+                                          <p:val>
+                                            <p:strVal val="#ppt_x"/>
+                                          </p:val>
+                                        </p:tav>
+                                      </p:tavLst>
+                                    </p:anim>
+                                    <p:anim calcmode="lin" valueType="num">
+                                      <p:cBhvr additive="base">
+                                        <p:cTn id="8" dur="500" fill="hold"/>
+                                        <p:tgtEl>
+                                          <p:spTgt spid="15"/>
+                                        </p:tgtEl>
+                                        <p:attrNameLst>
+                                          <p:attrName>ppt_y</p:attrName>
+                                        </p:attrNameLst>
+                                      </p:cBhvr>
+                                      <p:tavLst>
+                                        <p:tav tm="0">
+                                          <p:val>
+                                            <p:strVal val="#ppt_y"/>
+                                          </p:val>
+                                        </p:tav>
+                                        <p:tav tm="100000">
+                                          <p:val>
+                                            <p:strVal val="#ppt_y"/>
+                                          </p:val>
+                                        </p:tav>
+                                      </p:tavLst>
+                                    </p:anim>
+                                  </p:childTnLst>
+                                </p:cTn>
+                              </p:par>
+                            </p:childTnLst>
+                          </p:cTn>
+                        </p:par>
+                      </p:childTnLst>
+                    </p:cTn>
+                  </p:par>
+                </p:childTnLst>
+              </p:cTn>
+              <p:prevCondLst>
+                <p:cond evt="onPrev" delay="0">
+                  <p:tgtEl>
+                    <p:sldTgt/>
+                  </p:tgtEl>
+                </p:cond>
+              </p:prevCondLst>
+              <p:nextCondLst>
+                <p:cond evt="onNext" delay="0">
+                  <p:tgtEl>
+                    <p:sldTgt/>
+                  </p:tgtEl>
+                </p:cond>
+              </p:nextCondLst>
+            </p:seq>
+          </p:childTnLst>
+        </p:cTn>
+      </p:par>
+    </p:tnLst>
+    <p:bldLst>
+      <p:bldGraphic spid="15" grpId="0">
+        <p:bldAsOne/>
+      </p:bldGraphic>
+    </p:bldLst>
+  </p:timing>
 </p:sld>
 </file>
 
@@ -17606,8 +17954,8 @@
         </p:nvSpPr>
         <p:spPr>
           <a:xfrm>
-            <a:off x="2127250" y="1416050"/>
-            <a:ext cx="543739" cy="307777"/>
+            <a:off x="2127250" y="1346200"/>
+            <a:ext cx="646331" cy="369332"/>
           </a:xfrm>
           <a:prstGeom prst="rect">
             <a:avLst/>
@@ -17621,10 +17969,26 @@
           <a:lstStyle/>
           <a:p>
             <a:r>
-              <a:rPr lang="zh-TW" altLang="en-US" dirty="0" smtClean="0"/>
+              <a:rPr lang="zh-TW" altLang="en-US" sz="1800" b="1" dirty="0" smtClean="0">
+                <a:solidFill>
+                  <a:schemeClr val="bg2"/>
+                </a:solidFill>
+                <a:latin typeface="微軟正黑體" pitchFamily="34" charset="-120"/>
+                <a:ea typeface="微軟正黑體" pitchFamily="34" charset="-120"/>
+                <a:cs typeface="Nunito"/>
+                <a:sym typeface="Nunito"/>
+              </a:rPr>
               <a:t>前端</a:t>
             </a:r>
-            <a:endParaRPr lang="zh-TW" altLang="en-US" dirty="0"/>
+            <a:endParaRPr lang="zh-TW" altLang="en-US" sz="1800" b="1" dirty="0">
+              <a:solidFill>
+                <a:schemeClr val="bg2"/>
+              </a:solidFill>
+              <a:latin typeface="微軟正黑體" pitchFamily="34" charset="-120"/>
+              <a:ea typeface="微軟正黑體" pitchFamily="34" charset="-120"/>
+              <a:cs typeface="Nunito"/>
+              <a:sym typeface="Nunito"/>
+            </a:endParaRPr>
           </a:p>
         </p:txBody>
       </p:sp>
@@ -17636,8 +18000,8 @@
         </p:nvSpPr>
         <p:spPr>
           <a:xfrm>
-            <a:off x="5435600" y="1416050"/>
-            <a:ext cx="543739" cy="307777"/>
+            <a:off x="5708650" y="1352550"/>
+            <a:ext cx="646331" cy="369332"/>
           </a:xfrm>
           <a:prstGeom prst="rect">
             <a:avLst/>
@@ -17651,255 +18015,569 @@
           <a:lstStyle/>
           <a:p>
             <a:r>
-              <a:rPr lang="zh-TW" altLang="en-US" dirty="0" smtClean="0"/>
+              <a:rPr lang="zh-TW" altLang="en-US" sz="1800" b="1" dirty="0" smtClean="0">
+                <a:solidFill>
+                  <a:schemeClr val="bg2"/>
+                </a:solidFill>
+                <a:latin typeface="微軟正黑體" pitchFamily="34" charset="-120"/>
+                <a:ea typeface="微軟正黑體" pitchFamily="34" charset="-120"/>
+                <a:cs typeface="Nunito"/>
+                <a:sym typeface="Nunito"/>
+              </a:rPr>
               <a:t>後端</a:t>
             </a:r>
-            <a:endParaRPr lang="zh-TW" altLang="en-US" dirty="0"/>
+            <a:endParaRPr lang="zh-TW" altLang="en-US" sz="1800" b="1" dirty="0">
+              <a:solidFill>
+                <a:schemeClr val="bg2"/>
+              </a:solidFill>
+              <a:latin typeface="微軟正黑體" pitchFamily="34" charset="-120"/>
+              <a:ea typeface="微軟正黑體" pitchFamily="34" charset="-120"/>
+              <a:cs typeface="Nunito"/>
+              <a:sym typeface="Nunito"/>
+            </a:endParaRPr>
           </a:p>
         </p:txBody>
       </p:sp>
-      <p:sp>
-        <p:nvSpPr>
-          <p:cNvPr id="6" name="文字方塊 5"/>
-          <p:cNvSpPr txBox="1"/>
+      <p:pic>
+        <p:nvPicPr>
+          <p:cNvPr id="14" name="圖片 13" descr="60e828d815c1ffbc7ee86743_5da911dbd21c06c44f5791b6_Nodejs-blog-feature-img.jpeg"/>
+          <p:cNvPicPr>
+            <a:picLocks noChangeAspect="1"/>
+          </p:cNvPicPr>
           <p:nvPr/>
-        </p:nvSpPr>
+        </p:nvPicPr>
+        <p:blipFill>
+          <a:blip r:embed="rId2"/>
+          <a:stretch>
+            <a:fillRect/>
+          </a:stretch>
+        </p:blipFill>
         <p:spPr>
           <a:xfrm>
-            <a:off x="2159000" y="1841500"/>
-            <a:ext cx="553357" cy="307777"/>
+            <a:off x="6213476" y="2844800"/>
+            <a:ext cx="1771650" cy="1181100"/>
+          </a:xfrm>
+          <a:prstGeom prst="ellipse">
+            <a:avLst/>
+          </a:prstGeom>
+        </p:spPr>
+      </p:pic>
+      <p:pic>
+        <p:nvPicPr>
+          <p:cNvPr id="15" name="圖片 14" descr="html5-with-wordmark-color-logo-4259B7F24F-seeklogo.com.png"/>
+          <p:cNvPicPr>
+            <a:picLocks noChangeAspect="1"/>
+          </p:cNvPicPr>
+          <p:nvPr/>
+        </p:nvPicPr>
+        <p:blipFill>
+          <a:blip r:embed="rId3"/>
+          <a:stretch>
+            <a:fillRect/>
+          </a:stretch>
+        </p:blipFill>
+        <p:spPr>
+          <a:xfrm>
+            <a:off x="2141396" y="1834951"/>
+            <a:ext cx="639904" cy="901273"/>
           </a:xfrm>
           <a:prstGeom prst="rect">
             <a:avLst/>
           </a:prstGeom>
-          <a:noFill/>
         </p:spPr>
-        <p:txBody>
-          <a:bodyPr wrap="none" rtlCol="0">
-            <a:spAutoFit/>
-          </a:bodyPr>
-          <a:lstStyle/>
-          <a:p>
-            <a:r>
-              <a:rPr lang="en-US" altLang="zh-TW" dirty="0" smtClean="0"/>
-              <a:t>Html</a:t>
-            </a:r>
-          </a:p>
-        </p:txBody>
-      </p:sp>
-      <p:sp>
-        <p:nvSpPr>
-          <p:cNvPr id="7" name="文字方塊 6"/>
-          <p:cNvSpPr txBox="1"/>
+      </p:pic>
+      <p:pic>
+        <p:nvPicPr>
+          <p:cNvPr id="16" name="圖片 15" descr="Javascript-shield.png"/>
+          <p:cNvPicPr>
+            <a:picLocks noChangeAspect="1"/>
+          </p:cNvPicPr>
           <p:nvPr/>
-        </p:nvSpPr>
+        </p:nvPicPr>
+        <p:blipFill>
+          <a:blip r:embed="rId4"/>
+          <a:stretch>
+            <a:fillRect/>
+          </a:stretch>
+        </p:blipFill>
         <p:spPr>
           <a:xfrm>
-            <a:off x="1828800" y="3340100"/>
-            <a:ext cx="453970" cy="307777"/>
+            <a:off x="1060450" y="2438400"/>
+            <a:ext cx="1035050" cy="1035050"/>
           </a:xfrm>
           <a:prstGeom prst="rect">
             <a:avLst/>
           </a:prstGeom>
-          <a:noFill/>
         </p:spPr>
-        <p:txBody>
-          <a:bodyPr wrap="none" rtlCol="0">
-            <a:spAutoFit/>
-          </a:bodyPr>
-          <a:lstStyle/>
-          <a:p>
-            <a:r>
-              <a:rPr lang="en-US" altLang="zh-TW" dirty="0" err="1" smtClean="0"/>
-              <a:t>css</a:t>
-            </a:r>
-            <a:endParaRPr lang="zh-TW" altLang="en-US" dirty="0"/>
-          </a:p>
-        </p:txBody>
-      </p:sp>
-      <p:sp>
-        <p:nvSpPr>
-          <p:cNvPr id="8" name="文字方塊 7"/>
-          <p:cNvSpPr txBox="1"/>
+      </p:pic>
+      <p:pic>
+        <p:nvPicPr>
+          <p:cNvPr id="17" name="圖片 16" descr="CSS3_logo_and_wordmark.svg.png"/>
+          <p:cNvPicPr>
+            <a:picLocks noChangeAspect="1"/>
+          </p:cNvPicPr>
           <p:nvPr/>
-        </p:nvSpPr>
+        </p:nvPicPr>
+        <p:blipFill>
+          <a:blip r:embed="rId5"/>
+          <a:stretch>
+            <a:fillRect/>
+          </a:stretch>
+        </p:blipFill>
         <p:spPr>
           <a:xfrm>
-            <a:off x="2159000" y="2559050"/>
-            <a:ext cx="950901" cy="307777"/>
+            <a:off x="2938564" y="2444751"/>
+            <a:ext cx="706336" cy="995933"/>
           </a:xfrm>
           <a:prstGeom prst="rect">
             <a:avLst/>
           </a:prstGeom>
-          <a:noFill/>
         </p:spPr>
-        <p:txBody>
-          <a:bodyPr wrap="none" rtlCol="0">
-            <a:spAutoFit/>
-          </a:bodyPr>
-          <a:lstStyle/>
-          <a:p>
-            <a:r>
-              <a:rPr lang="en-US" altLang="zh-TW" dirty="0" smtClean="0"/>
-              <a:t>Bootstrap</a:t>
-            </a:r>
-          </a:p>
-        </p:txBody>
-      </p:sp>
-      <p:sp>
-        <p:nvSpPr>
-          <p:cNvPr id="9" name="文字方塊 8"/>
-          <p:cNvSpPr txBox="1"/>
+      </p:pic>
+      <p:pic>
+        <p:nvPicPr>
+          <p:cNvPr id="18" name="圖片 17" descr="下載 (1).png"/>
+          <p:cNvPicPr>
+            <a:picLocks noChangeAspect="1"/>
+          </p:cNvPicPr>
           <p:nvPr/>
-        </p:nvSpPr>
+        </p:nvPicPr>
+        <p:blipFill>
+          <a:blip r:embed="rId6"/>
+          <a:stretch>
+            <a:fillRect/>
+          </a:stretch>
+        </p:blipFill>
         <p:spPr>
           <a:xfrm>
-            <a:off x="5861050" y="2400300"/>
-            <a:ext cx="792205" cy="307777"/>
+            <a:off x="4745037" y="3011487"/>
+            <a:ext cx="906463" cy="906463"/>
           </a:xfrm>
           <a:prstGeom prst="rect">
             <a:avLst/>
           </a:prstGeom>
-          <a:noFill/>
         </p:spPr>
-        <p:txBody>
-          <a:bodyPr wrap="none" rtlCol="0">
-            <a:spAutoFit/>
-          </a:bodyPr>
-          <a:lstStyle/>
-          <a:p>
-            <a:r>
-              <a:rPr lang="en-US" altLang="zh-TW" dirty="0" smtClean="0"/>
-              <a:t>Node.js</a:t>
-            </a:r>
-          </a:p>
-        </p:txBody>
-      </p:sp>
-      <p:sp>
-        <p:nvSpPr>
-          <p:cNvPr id="10" name="文字方塊 9"/>
-          <p:cNvSpPr txBox="1"/>
+      </p:pic>
+      <p:pic>
+        <p:nvPicPr>
+          <p:cNvPr id="19" name="圖片 18" descr="bootstrap-stack.png"/>
+          <p:cNvPicPr>
+            <a:picLocks noChangeAspect="1"/>
+          </p:cNvPicPr>
           <p:nvPr/>
-        </p:nvSpPr>
+        </p:nvPicPr>
+        <p:blipFill>
+          <a:blip r:embed="rId7"/>
+          <a:stretch>
+            <a:fillRect/>
+          </a:stretch>
+        </p:blipFill>
         <p:spPr>
           <a:xfrm>
-            <a:off x="5988050" y="2679700"/>
-            <a:ext cx="582211" cy="307777"/>
+            <a:off x="1916223" y="3492500"/>
+            <a:ext cx="1080977" cy="907852"/>
           </a:xfrm>
           <a:prstGeom prst="rect">
             <a:avLst/>
           </a:prstGeom>
-          <a:noFill/>
         </p:spPr>
-        <p:txBody>
-          <a:bodyPr wrap="none" rtlCol="0">
-            <a:spAutoFit/>
-          </a:bodyPr>
-          <a:lstStyle/>
-          <a:p>
-            <a:r>
-              <a:rPr lang="en-US" altLang="zh-TW" dirty="0" smtClean="0"/>
-              <a:t>react</a:t>
-            </a:r>
-            <a:endParaRPr lang="zh-TW" altLang="en-US" dirty="0"/>
-          </a:p>
-        </p:txBody>
-      </p:sp>
-      <p:sp>
-        <p:nvSpPr>
-          <p:cNvPr id="11" name="文字方塊 10"/>
-          <p:cNvSpPr txBox="1"/>
+      </p:pic>
+      <p:pic>
+        <p:nvPicPr>
+          <p:cNvPr id="20" name="圖片 19" descr="下載.png"/>
+          <p:cNvPicPr>
+            <a:picLocks noChangeAspect="1"/>
+          </p:cNvPicPr>
           <p:nvPr/>
-        </p:nvSpPr>
+        </p:nvPicPr>
+        <p:blipFill>
+          <a:blip r:embed="rId8"/>
+          <a:stretch>
+            <a:fillRect/>
+          </a:stretch>
+        </p:blipFill>
         <p:spPr>
           <a:xfrm>
-            <a:off x="5962650" y="3371850"/>
-            <a:ext cx="503664" cy="307777"/>
+            <a:off x="5589587" y="1970088"/>
+            <a:ext cx="900113" cy="780596"/>
           </a:xfrm>
           <a:prstGeom prst="rect">
             <a:avLst/>
           </a:prstGeom>
-          <a:noFill/>
         </p:spPr>
-        <p:txBody>
-          <a:bodyPr wrap="none" rtlCol="0">
-            <a:spAutoFit/>
-          </a:bodyPr>
-          <a:lstStyle/>
-          <a:p>
-            <a:r>
-              <a:rPr lang="en-US" altLang="zh-TW" dirty="0" err="1" smtClean="0"/>
-              <a:t>Php</a:t>
-            </a:r>
-            <a:endParaRPr lang="en-US" altLang="zh-TW" dirty="0" smtClean="0"/>
-          </a:p>
-        </p:txBody>
-      </p:sp>
-      <p:sp>
-        <p:nvSpPr>
-          <p:cNvPr id="12" name="文字方塊 11"/>
-          <p:cNvSpPr txBox="1"/>
-          <p:nvPr/>
-        </p:nvSpPr>
-        <p:spPr>
-          <a:xfrm>
-            <a:off x="5899150" y="2933700"/>
-            <a:ext cx="652743" cy="307777"/>
-          </a:xfrm>
-          <a:prstGeom prst="rect">
-            <a:avLst/>
-          </a:prstGeom>
-          <a:noFill/>
-        </p:spPr>
-        <p:txBody>
-          <a:bodyPr wrap="none" rtlCol="0">
-            <a:spAutoFit/>
-          </a:bodyPr>
-          <a:lstStyle/>
-          <a:p>
-            <a:r>
-              <a:rPr lang="en-US" altLang="zh-TW" dirty="0" err="1" smtClean="0"/>
-              <a:t>Mysql</a:t>
-            </a:r>
-            <a:endParaRPr lang="en-US" altLang="zh-TW" dirty="0" smtClean="0"/>
-          </a:p>
-        </p:txBody>
-      </p:sp>
-      <p:sp>
-        <p:nvSpPr>
-          <p:cNvPr id="13" name="文字方塊 12"/>
-          <p:cNvSpPr txBox="1"/>
-          <p:nvPr/>
-        </p:nvSpPr>
-        <p:spPr>
-          <a:xfrm>
-            <a:off x="2063750" y="2159000"/>
-            <a:ext cx="990977" cy="307777"/>
-          </a:xfrm>
-          <a:prstGeom prst="rect">
-            <a:avLst/>
-          </a:prstGeom>
-          <a:noFill/>
-        </p:spPr>
-        <p:txBody>
-          <a:bodyPr wrap="none" rtlCol="0">
-            <a:spAutoFit/>
-          </a:bodyPr>
-          <a:lstStyle/>
-          <a:p>
-            <a:r>
-              <a:rPr lang="en-US" altLang="zh-TW" dirty="0" err="1" smtClean="0"/>
-              <a:t>Javascript</a:t>
-            </a:r>
-            <a:endParaRPr lang="en-US" altLang="zh-TW" dirty="0" smtClean="0"/>
-          </a:p>
-        </p:txBody>
-      </p:sp>
+      </p:pic>
     </p:spTree>
   </p:cSld>
   <p:clrMapOvr>
     <a:masterClrMapping/>
   </p:clrMapOvr>
+  <p:timing>
+    <p:tnLst>
+      <p:par>
+        <p:cTn id="1" dur="indefinite" restart="never" nodeType="tmRoot">
+          <p:childTnLst>
+            <p:seq concurrent="1" nextAc="seek">
+              <p:cTn id="2" dur="indefinite" nodeType="mainSeq">
+                <p:childTnLst>
+                  <p:par>
+                    <p:cTn id="3" fill="hold">
+                      <p:stCondLst>
+                        <p:cond delay="indefinite"/>
+                      </p:stCondLst>
+                      <p:childTnLst>
+                        <p:par>
+                          <p:cTn id="4" fill="hold">
+                            <p:stCondLst>
+                              <p:cond delay="0"/>
+                            </p:stCondLst>
+                            <p:childTnLst>
+                              <p:par>
+                                <p:cTn id="5" presetID="10" presetClass="entr" presetSubtype="0" fill="hold" grpId="0" nodeType="clickEffect">
+                                  <p:stCondLst>
+                                    <p:cond delay="0"/>
+                                  </p:stCondLst>
+                                  <p:childTnLst>
+                                    <p:set>
+                                      <p:cBhvr>
+                                        <p:cTn id="6" dur="1" fill="hold">
+                                          <p:stCondLst>
+                                            <p:cond delay="0"/>
+                                          </p:stCondLst>
+                                        </p:cTn>
+                                        <p:tgtEl>
+                                          <p:spTgt spid="4"/>
+                                        </p:tgtEl>
+                                        <p:attrNameLst>
+                                          <p:attrName>style.visibility</p:attrName>
+                                        </p:attrNameLst>
+                                      </p:cBhvr>
+                                      <p:to>
+                                        <p:strVal val="visible"/>
+                                      </p:to>
+                                    </p:set>
+                                    <p:animEffect transition="in" filter="fade">
+                                      <p:cBhvr>
+                                        <p:cTn id="7" dur="500"/>
+                                        <p:tgtEl>
+                                          <p:spTgt spid="4"/>
+                                        </p:tgtEl>
+                                      </p:cBhvr>
+                                    </p:animEffect>
+                                  </p:childTnLst>
+                                </p:cTn>
+                              </p:par>
+                              <p:par>
+                                <p:cTn id="8" presetID="10" presetClass="entr" presetSubtype="0" fill="hold" grpId="0" nodeType="withEffect">
+                                  <p:stCondLst>
+                                    <p:cond delay="0"/>
+                                  </p:stCondLst>
+                                  <p:childTnLst>
+                                    <p:set>
+                                      <p:cBhvr>
+                                        <p:cTn id="9" dur="1" fill="hold">
+                                          <p:stCondLst>
+                                            <p:cond delay="0"/>
+                                          </p:stCondLst>
+                                        </p:cTn>
+                                        <p:tgtEl>
+                                          <p:spTgt spid="5"/>
+                                        </p:tgtEl>
+                                        <p:attrNameLst>
+                                          <p:attrName>style.visibility</p:attrName>
+                                        </p:attrNameLst>
+                                      </p:cBhvr>
+                                      <p:to>
+                                        <p:strVal val="visible"/>
+                                      </p:to>
+                                    </p:set>
+                                    <p:animEffect transition="in" filter="fade">
+                                      <p:cBhvr>
+                                        <p:cTn id="10" dur="500"/>
+                                        <p:tgtEl>
+                                          <p:spTgt spid="5"/>
+                                        </p:tgtEl>
+                                      </p:cBhvr>
+                                    </p:animEffect>
+                                  </p:childTnLst>
+                                </p:cTn>
+                              </p:par>
+                              <p:par>
+                                <p:cTn id="11" presetID="10" presetClass="entr" presetSubtype="0" fill="hold" nodeType="withEffect">
+                                  <p:stCondLst>
+                                    <p:cond delay="0"/>
+                                  </p:stCondLst>
+                                  <p:childTnLst>
+                                    <p:set>
+                                      <p:cBhvr>
+                                        <p:cTn id="12" dur="1" fill="hold">
+                                          <p:stCondLst>
+                                            <p:cond delay="0"/>
+                                          </p:stCondLst>
+                                        </p:cTn>
+                                        <p:tgtEl>
+                                          <p:spTgt spid="14"/>
+                                        </p:tgtEl>
+                                        <p:attrNameLst>
+                                          <p:attrName>style.visibility</p:attrName>
+                                        </p:attrNameLst>
+                                      </p:cBhvr>
+                                      <p:to>
+                                        <p:strVal val="visible"/>
+                                      </p:to>
+                                    </p:set>
+                                    <p:animEffect transition="in" filter="fade">
+                                      <p:cBhvr>
+                                        <p:cTn id="13" dur="500"/>
+                                        <p:tgtEl>
+                                          <p:spTgt spid="14"/>
+                                        </p:tgtEl>
+                                      </p:cBhvr>
+                                    </p:animEffect>
+                                  </p:childTnLst>
+                                </p:cTn>
+                              </p:par>
+                              <p:par>
+                                <p:cTn id="14" presetID="10" presetClass="entr" presetSubtype="0" fill="hold" nodeType="withEffect">
+                                  <p:stCondLst>
+                                    <p:cond delay="0"/>
+                                  </p:stCondLst>
+                                  <p:childTnLst>
+                                    <p:set>
+                                      <p:cBhvr>
+                                        <p:cTn id="15" dur="1" fill="hold">
+                                          <p:stCondLst>
+                                            <p:cond delay="0"/>
+                                          </p:stCondLst>
+                                        </p:cTn>
+                                        <p:tgtEl>
+                                          <p:spTgt spid="15"/>
+                                        </p:tgtEl>
+                                        <p:attrNameLst>
+                                          <p:attrName>style.visibility</p:attrName>
+                                        </p:attrNameLst>
+                                      </p:cBhvr>
+                                      <p:to>
+                                        <p:strVal val="visible"/>
+                                      </p:to>
+                                    </p:set>
+                                    <p:animEffect transition="in" filter="fade">
+                                      <p:cBhvr>
+                                        <p:cTn id="16" dur="500"/>
+                                        <p:tgtEl>
+                                          <p:spTgt spid="15"/>
+                                        </p:tgtEl>
+                                      </p:cBhvr>
+                                    </p:animEffect>
+                                  </p:childTnLst>
+                                </p:cTn>
+                              </p:par>
+                              <p:par>
+                                <p:cTn id="17" presetID="10" presetClass="entr" presetSubtype="0" fill="hold" nodeType="withEffect">
+                                  <p:stCondLst>
+                                    <p:cond delay="0"/>
+                                  </p:stCondLst>
+                                  <p:childTnLst>
+                                    <p:set>
+                                      <p:cBhvr>
+                                        <p:cTn id="18" dur="1" fill="hold">
+                                          <p:stCondLst>
+                                            <p:cond delay="0"/>
+                                          </p:stCondLst>
+                                        </p:cTn>
+                                        <p:tgtEl>
+                                          <p:spTgt spid="16"/>
+                                        </p:tgtEl>
+                                        <p:attrNameLst>
+                                          <p:attrName>style.visibility</p:attrName>
+                                        </p:attrNameLst>
+                                      </p:cBhvr>
+                                      <p:to>
+                                        <p:strVal val="visible"/>
+                                      </p:to>
+                                    </p:set>
+                                    <p:animEffect transition="in" filter="fade">
+                                      <p:cBhvr>
+                                        <p:cTn id="19" dur="500"/>
+                                        <p:tgtEl>
+                                          <p:spTgt spid="16"/>
+                                        </p:tgtEl>
+                                      </p:cBhvr>
+                                    </p:animEffect>
+                                  </p:childTnLst>
+                                </p:cTn>
+                              </p:par>
+                              <p:par>
+                                <p:cTn id="20" presetID="10" presetClass="entr" presetSubtype="0" fill="hold" nodeType="withEffect">
+                                  <p:stCondLst>
+                                    <p:cond delay="0"/>
+                                  </p:stCondLst>
+                                  <p:childTnLst>
+                                    <p:set>
+                                      <p:cBhvr>
+                                        <p:cTn id="21" dur="1" fill="hold">
+                                          <p:stCondLst>
+                                            <p:cond delay="0"/>
+                                          </p:stCondLst>
+                                        </p:cTn>
+                                        <p:tgtEl>
+                                          <p:spTgt spid="17"/>
+                                        </p:tgtEl>
+                                        <p:attrNameLst>
+                                          <p:attrName>style.visibility</p:attrName>
+                                        </p:attrNameLst>
+                                      </p:cBhvr>
+                                      <p:to>
+                                        <p:strVal val="visible"/>
+                                      </p:to>
+                                    </p:set>
+                                    <p:animEffect transition="in" filter="fade">
+                                      <p:cBhvr>
+                                        <p:cTn id="22" dur="500"/>
+                                        <p:tgtEl>
+                                          <p:spTgt spid="17"/>
+                                        </p:tgtEl>
+                                      </p:cBhvr>
+                                    </p:animEffect>
+                                  </p:childTnLst>
+                                </p:cTn>
+                              </p:par>
+                              <p:par>
+                                <p:cTn id="23" presetID="10" presetClass="entr" presetSubtype="0" fill="hold" nodeType="withEffect">
+                                  <p:stCondLst>
+                                    <p:cond delay="0"/>
+                                  </p:stCondLst>
+                                  <p:childTnLst>
+                                    <p:set>
+                                      <p:cBhvr>
+                                        <p:cTn id="24" dur="1" fill="hold">
+                                          <p:stCondLst>
+                                            <p:cond delay="0"/>
+                                          </p:stCondLst>
+                                        </p:cTn>
+                                        <p:tgtEl>
+                                          <p:spTgt spid="18"/>
+                                        </p:tgtEl>
+                                        <p:attrNameLst>
+                                          <p:attrName>style.visibility</p:attrName>
+                                        </p:attrNameLst>
+                                      </p:cBhvr>
+                                      <p:to>
+                                        <p:strVal val="visible"/>
+                                      </p:to>
+                                    </p:set>
+                                    <p:animEffect transition="in" filter="fade">
+                                      <p:cBhvr>
+                                        <p:cTn id="25" dur="500"/>
+                                        <p:tgtEl>
+                                          <p:spTgt spid="18"/>
+                                        </p:tgtEl>
+                                      </p:cBhvr>
+                                    </p:animEffect>
+                                  </p:childTnLst>
+                                </p:cTn>
+                              </p:par>
+                              <p:par>
+                                <p:cTn id="26" presetID="10" presetClass="entr" presetSubtype="0" fill="hold" nodeType="withEffect">
+                                  <p:stCondLst>
+                                    <p:cond delay="0"/>
+                                  </p:stCondLst>
+                                  <p:childTnLst>
+                                    <p:set>
+                                      <p:cBhvr>
+                                        <p:cTn id="27" dur="1" fill="hold">
+                                          <p:stCondLst>
+                                            <p:cond delay="0"/>
+                                          </p:stCondLst>
+                                        </p:cTn>
+                                        <p:tgtEl>
+                                          <p:spTgt spid="19"/>
+                                        </p:tgtEl>
+                                        <p:attrNameLst>
+                                          <p:attrName>style.visibility</p:attrName>
+                                        </p:attrNameLst>
+                                      </p:cBhvr>
+                                      <p:to>
+                                        <p:strVal val="visible"/>
+                                      </p:to>
+                                    </p:set>
+                                    <p:animEffect transition="in" filter="fade">
+                                      <p:cBhvr>
+                                        <p:cTn id="28" dur="500"/>
+                                        <p:tgtEl>
+                                          <p:spTgt spid="19"/>
+                                        </p:tgtEl>
+                                      </p:cBhvr>
+                                    </p:animEffect>
+                                  </p:childTnLst>
+                                </p:cTn>
+                              </p:par>
+                              <p:par>
+                                <p:cTn id="29" presetID="10" presetClass="entr" presetSubtype="0" fill="hold" nodeType="withEffect">
+                                  <p:stCondLst>
+                                    <p:cond delay="0"/>
+                                  </p:stCondLst>
+                                  <p:childTnLst>
+                                    <p:set>
+                                      <p:cBhvr>
+                                        <p:cTn id="30" dur="1" fill="hold">
+                                          <p:stCondLst>
+                                            <p:cond delay="0"/>
+                                          </p:stCondLst>
+                                        </p:cTn>
+                                        <p:tgtEl>
+                                          <p:spTgt spid="20"/>
+                                        </p:tgtEl>
+                                        <p:attrNameLst>
+                                          <p:attrName>style.visibility</p:attrName>
+                                        </p:attrNameLst>
+                                      </p:cBhvr>
+                                      <p:to>
+                                        <p:strVal val="visible"/>
+                                      </p:to>
+                                    </p:set>
+                                    <p:animEffect transition="in" filter="fade">
+                                      <p:cBhvr>
+                                        <p:cTn id="31" dur="500"/>
+                                        <p:tgtEl>
+                                          <p:spTgt spid="20"/>
+                                        </p:tgtEl>
+                                      </p:cBhvr>
+                                    </p:animEffect>
+                                  </p:childTnLst>
+                                </p:cTn>
+                              </p:par>
+                            </p:childTnLst>
+                          </p:cTn>
+                        </p:par>
+                      </p:childTnLst>
+                    </p:cTn>
+                  </p:par>
+                </p:childTnLst>
+              </p:cTn>
+              <p:prevCondLst>
+                <p:cond evt="onPrev" delay="0">
+                  <p:tgtEl>
+                    <p:sldTgt/>
+                  </p:tgtEl>
+                </p:cond>
+              </p:prevCondLst>
+              <p:nextCondLst>
+                <p:cond evt="onNext" delay="0">
+                  <p:tgtEl>
+                    <p:sldTgt/>
+                  </p:tgtEl>
+                </p:cond>
+              </p:nextCondLst>
+            </p:seq>
+          </p:childTnLst>
+        </p:cTn>
+      </p:par>
+    </p:tnLst>
+    <p:bldLst>
+      <p:bldP spid="4" grpId="0"/>
+      <p:bldP spid="5" grpId="0"/>
+    </p:bldLst>
+  </p:timing>
 </p:sld>
 </file>
 
@@ -17932,13 +18610,242 @@
         </p:nvSpPr>
         <p:spPr/>
         <p:txBody>
-          <a:bodyPr/>
+          <a:bodyPr>
+            <a:normAutofit/>
+          </a:bodyPr>
           <a:lstStyle/>
           <a:p>
             <a:r>
-              <a:rPr lang="zh-TW" altLang="en-US" dirty="0" smtClean="0"/>
+              <a:rPr lang="zh-TW" altLang="en-US" sz="5400" b="1" dirty="0" smtClean="0">
+                <a:solidFill>
+                  <a:schemeClr val="accent5"/>
+                </a:solidFill>
+                <a:latin typeface="微軟正黑體" pitchFamily="34" charset="-120"/>
+                <a:ea typeface="微軟正黑體" pitchFamily="34" charset="-120"/>
+              </a:rPr>
               <a:t>動機與目的</a:t>
             </a:r>
+            <a:endParaRPr lang="zh-TW" altLang="en-US" sz="5400" b="1" dirty="0">
+              <a:solidFill>
+                <a:schemeClr val="accent5"/>
+              </a:solidFill>
+              <a:latin typeface="微軟正黑體" pitchFamily="34" charset="-120"/>
+              <a:ea typeface="微軟正黑體" pitchFamily="34" charset="-120"/>
+            </a:endParaRPr>
+          </a:p>
+        </p:txBody>
+      </p:sp>
+    </p:spTree>
+  </p:cSld>
+  <p:clrMapOvr>
+    <a:masterClrMapping/>
+  </p:clrMapOvr>
+  <p:timing>
+    <p:tnLst>
+      <p:par>
+        <p:cTn id="1" dur="indefinite" restart="never" nodeType="tmRoot"/>
+      </p:par>
+    </p:tnLst>
+  </p:timing>
+</p:sld>
+</file>
+
+<file path=ppt/slides/slide6.xml><?xml version="1.0" encoding="utf-8"?>
+<p:sld xmlns:a="http://schemas.openxmlformats.org/drawingml/2006/main" xmlns:r="http://schemas.openxmlformats.org/officeDocument/2006/relationships" xmlns:p="http://schemas.openxmlformats.org/presentationml/2006/main">
+  <p:cSld>
+    <p:spTree>
+      <p:nvGrpSpPr>
+        <p:cNvPr id="1" name=""/>
+        <p:cNvGrpSpPr/>
+        <p:nvPr/>
+      </p:nvGrpSpPr>
+      <p:grpSpPr>
+        <a:xfrm>
+          <a:off x="0" y="0"/>
+          <a:ext cx="0" cy="0"/>
+          <a:chOff x="0" y="0"/>
+          <a:chExt cx="0" cy="0"/>
+        </a:xfrm>
+      </p:grpSpPr>
+      <p:sp>
+        <p:nvSpPr>
+          <p:cNvPr id="3" name="文字版面配置區 2"/>
+          <p:cNvSpPr>
+            <a:spLocks noGrp="1"/>
+          </p:cNvSpPr>
+          <p:nvPr>
+            <p:ph type="body" idx="1"/>
+          </p:nvPr>
+        </p:nvSpPr>
+        <p:spPr>
+          <a:xfrm>
+            <a:off x="844550" y="742950"/>
+            <a:ext cx="7505700" cy="4127500"/>
+          </a:xfrm>
+        </p:spPr>
+        <p:txBody>
+          <a:bodyPr>
+            <a:normAutofit/>
+          </a:bodyPr>
+          <a:lstStyle/>
+          <a:p>
+            <a:pPr>
+              <a:buNone/>
+            </a:pPr>
+            <a:r>
+              <a:rPr lang="zh-TW" altLang="en-US" dirty="0" smtClean="0"/>
+              <a:t>動機</a:t>
+            </a:r>
+            <a:endParaRPr lang="en-US" altLang="zh-TW" dirty="0" smtClean="0"/>
+          </a:p>
+          <a:p>
+            <a:pPr>
+              <a:buNone/>
+            </a:pPr>
+            <a:r>
+              <a:rPr lang="zh-TW" altLang="en-US" dirty="0" smtClean="0"/>
+              <a:t>在世界的許多角落，有很多的毛浪浪們，牠們滿身瘡痍、無家可歸</a:t>
+            </a:r>
+            <a:r>
+              <a:rPr lang="zh-TW" altLang="en-US" dirty="0" smtClean="0"/>
+              <a:t>，</a:t>
+            </a:r>
+            <a:endParaRPr lang="en-US" altLang="zh-TW" dirty="0" smtClean="0"/>
+          </a:p>
+          <a:p>
+            <a:pPr>
+              <a:buNone/>
+            </a:pPr>
+            <a:r>
+              <a:rPr lang="zh-TW" altLang="en-US" dirty="0" smtClean="0"/>
+              <a:t>但</a:t>
+            </a:r>
+            <a:r>
+              <a:rPr lang="zh-TW" altLang="en-US" dirty="0" smtClean="0"/>
+              <a:t>只要有人願意分 給牠們一點愛</a:t>
+            </a:r>
+            <a:r>
+              <a:rPr lang="zh-TW" altLang="en-US" dirty="0" smtClean="0"/>
+              <a:t>，</a:t>
+            </a:r>
+            <a:endParaRPr lang="en-US" altLang="zh-TW" dirty="0" smtClean="0"/>
+          </a:p>
+          <a:p>
+            <a:pPr>
+              <a:buNone/>
+            </a:pPr>
+            <a:r>
+              <a:rPr lang="zh-TW" altLang="en-US" dirty="0" smtClean="0"/>
+              <a:t>這些</a:t>
+            </a:r>
+            <a:r>
+              <a:rPr lang="zh-TW" altLang="en-US" dirty="0" smtClean="0"/>
+              <a:t>浪浪就會脫胎換骨，變成人們最貼心的毛小孩</a:t>
+            </a:r>
+            <a:r>
+              <a:rPr lang="zh-TW" altLang="en-US" dirty="0" smtClean="0"/>
+              <a:t>。</a:t>
+            </a:r>
+            <a:endParaRPr lang="en-US" altLang="zh-TW" dirty="0" smtClean="0"/>
+          </a:p>
+          <a:p>
+            <a:pPr>
+              <a:buNone/>
+            </a:pPr>
+            <a:endParaRPr lang="en-US" altLang="zh-TW" dirty="0" smtClean="0"/>
+          </a:p>
+          <a:p>
+            <a:pPr>
+              <a:buNone/>
+            </a:pPr>
+            <a:endParaRPr lang="en-US" altLang="zh-TW" dirty="0" smtClean="0"/>
+          </a:p>
+          <a:p>
+            <a:pPr>
+              <a:buNone/>
+            </a:pPr>
+            <a:endParaRPr lang="en-US" altLang="zh-TW" dirty="0" smtClean="0"/>
+          </a:p>
+          <a:p>
+            <a:pPr>
+              <a:buNone/>
+            </a:pPr>
+            <a:endParaRPr lang="en-US" altLang="zh-TW" dirty="0" smtClean="0"/>
+          </a:p>
+          <a:p>
+            <a:pPr>
+              <a:buNone/>
+            </a:pPr>
+            <a:endParaRPr lang="en-US" altLang="zh-TW" dirty="0" smtClean="0"/>
+          </a:p>
+          <a:p>
+            <a:pPr>
+              <a:buNone/>
+            </a:pPr>
+            <a:r>
+              <a:rPr lang="zh-TW" altLang="en-US" dirty="0" smtClean="0"/>
+              <a:t>頁面設計主色系採用藍色與灰綠色底 </a:t>
+            </a:r>
+            <a:endParaRPr lang="en-US" altLang="zh-TW" dirty="0" smtClean="0"/>
+          </a:p>
+          <a:p>
+            <a:pPr>
+              <a:buNone/>
+            </a:pPr>
+            <a:r>
+              <a:rPr lang="zh-TW" altLang="en-US" dirty="0" smtClean="0"/>
+              <a:t>呈現天空與地面的配色</a:t>
+            </a:r>
+            <a:endParaRPr lang="en-US" altLang="zh-TW" dirty="0" smtClean="0"/>
+          </a:p>
+          <a:p>
+            <a:pPr>
+              <a:buNone/>
+            </a:pPr>
+            <a:r>
+              <a:rPr lang="zh-TW" altLang="en-US" dirty="0" smtClean="0"/>
+              <a:t>象徵</a:t>
+            </a:r>
+            <a:r>
+              <a:rPr lang="zh-TW" altLang="en-US" dirty="0" smtClean="0"/>
+              <a:t>流浪</a:t>
+            </a:r>
+            <a:r>
+              <a:rPr lang="zh-TW" altLang="en-US" dirty="0" smtClean="0"/>
+              <a:t>動物浪跡在天涯  還等著我們更多人去協尋</a:t>
+            </a:r>
+            <a:endParaRPr lang="en-US" altLang="zh-TW" dirty="0" smtClean="0"/>
+          </a:p>
+          <a:p>
+            <a:pPr>
+              <a:buNone/>
+            </a:pPr>
+            <a:r>
+              <a:rPr lang="zh-TW" altLang="en-US" dirty="0" smtClean="0"/>
+              <a:t>替他們找到</a:t>
+            </a:r>
+            <a:r>
+              <a:rPr lang="zh-TW" altLang="en-US" dirty="0" smtClean="0"/>
+              <a:t>一個溫暖的家</a:t>
+            </a:r>
+            <a:endParaRPr lang="en-US" altLang="zh-TW" dirty="0" smtClean="0"/>
+          </a:p>
+          <a:p>
+            <a:pPr>
+              <a:buNone/>
+            </a:pPr>
+            <a:endParaRPr lang="zh-TW" altLang="en-US" dirty="0" smtClean="0"/>
+          </a:p>
+          <a:p>
+            <a:pPr>
+              <a:buNone/>
+            </a:pPr>
+            <a:endParaRPr lang="en-US" altLang="zh-TW" dirty="0" smtClean="0"/>
+          </a:p>
+          <a:p>
+            <a:pPr>
+              <a:buNone/>
+            </a:pPr>
             <a:endParaRPr lang="zh-TW" altLang="en-US" dirty="0"/>
           </a:p>
         </p:txBody>
@@ -17948,10 +18855,20 @@
   <p:clrMapOvr>
     <a:masterClrMapping/>
   </p:clrMapOvr>
+  <p:transition>
+    <p:fade/>
+  </p:transition>
+  <p:timing>
+    <p:tnLst>
+      <p:par>
+        <p:cTn id="1" dur="indefinite" restart="never" nodeType="tmRoot"/>
+      </p:par>
+    </p:tnLst>
+  </p:timing>
 </p:sld>
 </file>
 
-<file path=ppt/slides/slide6.xml><?xml version="1.0" encoding="utf-8"?>
+<file path=ppt/slides/slide7.xml><?xml version="1.0" encoding="utf-8"?>
 <p:sld xmlns:a="http://schemas.openxmlformats.org/drawingml/2006/main" xmlns:r="http://schemas.openxmlformats.org/officeDocument/2006/relationships" xmlns:p="http://schemas.openxmlformats.org/presentationml/2006/main">
   <p:cSld>
     <p:spTree>
@@ -17989,10 +18906,271 @@
   <p:clrMapOvr>
     <a:masterClrMapping/>
   </p:clrMapOvr>
+  <p:timing>
+    <p:tnLst>
+      <p:par>
+        <p:cTn id="1" dur="indefinite" restart="never" nodeType="tmRoot"/>
+      </p:par>
+    </p:tnLst>
+  </p:timing>
 </p:sld>
 </file>
 
-<file path=ppt/slides/slide7.xml><?xml version="1.0" encoding="utf-8"?>
+<file path=ppt/slides/slide8.xml><?xml version="1.0" encoding="utf-8"?>
+<p:sld xmlns:a="http://schemas.openxmlformats.org/drawingml/2006/main" xmlns:r="http://schemas.openxmlformats.org/officeDocument/2006/relationships" xmlns:p="http://schemas.openxmlformats.org/presentationml/2006/main">
+  <p:cSld>
+    <p:spTree>
+      <p:nvGrpSpPr>
+        <p:cNvPr id="1" name=""/>
+        <p:cNvGrpSpPr/>
+        <p:nvPr/>
+      </p:nvGrpSpPr>
+      <p:grpSpPr>
+        <a:xfrm>
+          <a:off x="0" y="0"/>
+          <a:ext cx="0" cy="0"/>
+          <a:chOff x="0" y="0"/>
+          <a:chExt cx="0" cy="0"/>
+        </a:xfrm>
+      </p:grpSpPr>
+      <p:sp>
+        <p:nvSpPr>
+          <p:cNvPr id="3" name="文字版面配置區 2"/>
+          <p:cNvSpPr>
+            <a:spLocks noGrp="1"/>
+          </p:cNvSpPr>
+          <p:nvPr>
+            <p:ph type="body" idx="1"/>
+          </p:nvPr>
+        </p:nvSpPr>
+        <p:spPr>
+          <a:xfrm>
+            <a:off x="374650" y="723900"/>
+            <a:ext cx="7950200" cy="3714825"/>
+          </a:xfrm>
+        </p:spPr>
+        <p:txBody>
+          <a:bodyPr/>
+          <a:lstStyle/>
+          <a:p>
+            <a:pPr>
+              <a:buNone/>
+            </a:pPr>
+            <a:r>
+              <a:rPr lang="zh-TW" altLang="en-US" dirty="0" smtClean="0"/>
+              <a:t>參考來源</a:t>
+            </a:r>
+            <a:endParaRPr lang="en-US" altLang="zh-TW" dirty="0" smtClean="0"/>
+          </a:p>
+          <a:p>
+            <a:pPr>
+              <a:buNone/>
+            </a:pPr>
+            <a:endParaRPr lang="en-US" altLang="zh-TW" dirty="0" smtClean="0"/>
+          </a:p>
+          <a:p>
+            <a:pPr>
+              <a:buNone/>
+            </a:pPr>
+            <a:r>
+              <a:rPr lang="zh-TW" altLang="en-US" dirty="0" smtClean="0"/>
+              <a:t>浪浪別哭  </a:t>
+            </a:r>
+            <a:r>
+              <a:rPr lang="en-US" altLang="zh-TW" dirty="0" smtClean="0">
+                <a:hlinkClick r:id="rId2"/>
+              </a:rPr>
+              <a:t>http://</a:t>
+            </a:r>
+            <a:r>
+              <a:rPr lang="en-US" altLang="zh-TW" dirty="0" smtClean="0">
+                <a:hlinkClick r:id="rId2"/>
+              </a:rPr>
+              <a:t>www.langlangdontcry.com.tw/member.html</a:t>
+            </a:r>
+            <a:endParaRPr lang="en-US" altLang="zh-TW" dirty="0" smtClean="0"/>
+          </a:p>
+          <a:p>
+            <a:pPr>
+              <a:buNone/>
+            </a:pPr>
+            <a:endParaRPr lang="en-US" altLang="zh-TW" dirty="0" smtClean="0"/>
+          </a:p>
+          <a:p>
+            <a:pPr>
+              <a:buNone/>
+            </a:pPr>
+            <a:r>
+              <a:rPr lang="zh-TW" altLang="en-US" dirty="0" smtClean="0"/>
+              <a:t>浪途通報 </a:t>
+            </a:r>
+            <a:r>
+              <a:rPr lang="en-US" altLang="zh-TW" dirty="0" smtClean="0">
+                <a:hlinkClick r:id="rId3"/>
+              </a:rPr>
+              <a:t>https</a:t>
+            </a:r>
+            <a:r>
+              <a:rPr lang="en-US" altLang="zh-TW" dirty="0" smtClean="0">
+                <a:hlinkClick r:id="rId3"/>
+              </a:rPr>
+              <a:t>://</a:t>
+            </a:r>
+            <a:r>
+              <a:rPr lang="en-US" altLang="zh-TW" dirty="0" smtClean="0">
+                <a:hlinkClick r:id="rId3"/>
+              </a:rPr>
+              <a:t>noramichi.app/about</a:t>
+            </a:r>
+            <a:endParaRPr lang="en-US" altLang="zh-TW" dirty="0" smtClean="0"/>
+          </a:p>
+          <a:p>
+            <a:pPr>
+              <a:buNone/>
+            </a:pPr>
+            <a:endParaRPr lang="en-US" altLang="zh-TW" dirty="0" smtClean="0"/>
+          </a:p>
+          <a:p>
+            <a:pPr>
+              <a:buNone/>
+            </a:pPr>
+            <a:r>
+              <a:rPr lang="zh-TW" altLang="en-US" dirty="0" smtClean="0"/>
+              <a:t>社團法人臺南市徐園長護生</a:t>
+            </a:r>
+            <a:r>
+              <a:rPr lang="zh-TW" altLang="en-US" dirty="0" smtClean="0"/>
+              <a:t>協會   </a:t>
+            </a:r>
+            <a:r>
+              <a:rPr lang="en-US" altLang="zh-TW" dirty="0" smtClean="0">
+                <a:hlinkClick r:id="rId4"/>
+              </a:rPr>
+              <a:t>https</a:t>
+            </a:r>
+            <a:r>
+              <a:rPr lang="en-US" altLang="zh-TW" dirty="0" smtClean="0">
+                <a:hlinkClick r:id="rId4"/>
+              </a:rPr>
+              <a:t>://</a:t>
+            </a:r>
+            <a:r>
+              <a:rPr lang="en-US" altLang="zh-TW" dirty="0" smtClean="0">
+                <a:hlinkClick r:id="rId4"/>
+              </a:rPr>
+              <a:t>hapatc.org.tw/index.php</a:t>
+            </a:r>
+            <a:endParaRPr lang="en-US" altLang="zh-TW" dirty="0" smtClean="0"/>
+          </a:p>
+          <a:p>
+            <a:pPr>
+              <a:buNone/>
+            </a:pPr>
+            <a:endParaRPr lang="en-US" altLang="zh-TW" dirty="0" smtClean="0"/>
+          </a:p>
+          <a:p>
+            <a:pPr>
+              <a:buNone/>
+            </a:pPr>
+            <a:r>
+              <a:rPr lang="zh-TW" altLang="en-US" b="1" dirty="0" smtClean="0"/>
+              <a:t>臺中動物之</a:t>
+            </a:r>
+            <a:r>
+              <a:rPr lang="zh-TW" altLang="en-US" b="1" dirty="0" smtClean="0"/>
+              <a:t>家  </a:t>
+            </a:r>
+            <a:r>
+              <a:rPr lang="en-US" altLang="zh-TW" dirty="0" smtClean="0">
+                <a:hlinkClick r:id="rId5"/>
+              </a:rPr>
+              <a:t>https</a:t>
+            </a:r>
+            <a:r>
+              <a:rPr lang="en-US" altLang="zh-TW" dirty="0" smtClean="0">
+                <a:hlinkClick r:id="rId5"/>
+              </a:rPr>
+              <a:t>://</a:t>
+            </a:r>
+            <a:r>
+              <a:rPr lang="en-US" altLang="zh-TW" dirty="0" smtClean="0">
+                <a:hlinkClick r:id="rId5"/>
+              </a:rPr>
+              <a:t>www.animal.taichung.gov.tw/1521481/Normalnodelist</a:t>
+            </a:r>
+            <a:endParaRPr lang="en-US" altLang="zh-TW" dirty="0" smtClean="0"/>
+          </a:p>
+          <a:p>
+            <a:pPr>
+              <a:buNone/>
+            </a:pPr>
+            <a:endParaRPr lang="en-US" altLang="zh-TW" dirty="0" smtClean="0"/>
+          </a:p>
+          <a:p>
+            <a:pPr>
+              <a:buNone/>
+            </a:pPr>
+            <a:r>
+              <a:rPr lang="zh-TW" altLang="en-US" dirty="0" smtClean="0"/>
+              <a:t>動物認領養 </a:t>
+            </a:r>
+            <a:r>
+              <a:rPr lang="en-US" altLang="zh-TW" dirty="0" smtClean="0"/>
+              <a:t>- </a:t>
+            </a:r>
+            <a:r>
+              <a:rPr lang="zh-TW" altLang="en-US" dirty="0" smtClean="0"/>
+              <a:t>全國動物收容</a:t>
+            </a:r>
+            <a:r>
+              <a:rPr lang="zh-TW" altLang="en-US" dirty="0" smtClean="0"/>
+              <a:t>系統  </a:t>
+            </a:r>
+            <a:r>
+              <a:rPr lang="en-US" altLang="zh-TW" dirty="0" smtClean="0"/>
+              <a:t>https</a:t>
+            </a:r>
+            <a:r>
+              <a:rPr lang="en-US" altLang="zh-TW" dirty="0" smtClean="0"/>
+              <a:t>://asms.coa.gov.tw/AmlApp/App/AnnounceMent.aspx?PageType=Adopt</a:t>
+            </a:r>
+          </a:p>
+          <a:p>
+            <a:pPr>
+              <a:buNone/>
+            </a:pPr>
+            <a:endParaRPr lang="en-US" altLang="zh-TW" dirty="0" smtClean="0"/>
+          </a:p>
+          <a:p>
+            <a:pPr>
+              <a:buNone/>
+            </a:pPr>
+            <a:endParaRPr lang="en-US" altLang="zh-TW" dirty="0" smtClean="0"/>
+          </a:p>
+          <a:p>
+            <a:pPr>
+              <a:buNone/>
+            </a:pPr>
+            <a:endParaRPr lang="zh-TW" altLang="en-US" dirty="0"/>
+          </a:p>
+        </p:txBody>
+      </p:sp>
+    </p:spTree>
+  </p:cSld>
+  <p:clrMapOvr>
+    <a:masterClrMapping/>
+  </p:clrMapOvr>
+  <p:timing>
+    <p:tnLst>
+      <p:par>
+        <p:cTn id="1" dur="indefinite" restart="never" nodeType="tmRoot"/>
+      </p:par>
+    </p:tnLst>
+  </p:timing>
+</p:sld>
+</file>
+
+<file path=ppt/slides/slide9.xml><?xml version="1.0" encoding="utf-8"?>
 <p:sld xmlns:a="http://schemas.openxmlformats.org/drawingml/2006/main" xmlns:r="http://schemas.openxmlformats.org/officeDocument/2006/relationships" xmlns:p="http://schemas.openxmlformats.org/presentationml/2006/main">
   <p:cSld>
     <p:spTree>
@@ -18045,6 +19223,13 @@
   <p:clrMapOvr>
     <a:masterClrMapping/>
   </p:clrMapOvr>
+  <p:timing>
+    <p:tnLst>
+      <p:par>
+        <p:cTn id="1" dur="indefinite" restart="never" nodeType="tmRoot"/>
+      </p:par>
+    </p:tnLst>
+  </p:timing>
 </p:sld>
 </file>
 

--- a/葉登發/第四組 浪跡天涯 .pptx
+++ b/葉登發/第四組 浪跡天涯 .pptx
@@ -280,7 +280,7 @@
   </p:defaultTextStyle>
   <p:extLst>
     <p:ext uri="{EFAFB233-063F-42B5-8137-9DF3F51BA10A}">
-      <p15:sldGuideLst xmlns="" xmlns:mc="http://schemas.openxmlformats.org/markup-compatibility/2006" xmlns:mv="urn:schemas-microsoft-com:mac:vml" xmlns:c="http://schemas.openxmlformats.org/drawingml/2006/chart" xmlns:dgm="http://schemas.openxmlformats.org/drawingml/2006/diagram" xmlns:o="urn:schemas-microsoft-com:office:office" xmlns:v="urn:schemas-microsoft-com:vml" xmlns:pvml="urn:schemas-microsoft-com:office:powerpoint" xmlns:com="http://schemas.openxmlformats.org/drawingml/2006/compatibility" xmlns:p14="http://schemas.microsoft.com/office/powerpoint/2010/main" xmlns:p15="http://schemas.microsoft.com/office/powerpoint/2012/main" xmlns:ahyp="http://schemas.microsoft.com/office/drawing/2018/hyperlinkcolor">
+      <p15:sldGuideLst xmlns:ahyp="http://schemas.microsoft.com/office/drawing/2018/hyperlinkcolor" xmlns:p15="http://schemas.microsoft.com/office/powerpoint/2012/main" xmlns:p14="http://schemas.microsoft.com/office/powerpoint/2010/main" xmlns:com="http://schemas.openxmlformats.org/drawingml/2006/compatibility" xmlns:pvml="urn:schemas-microsoft-com:office:powerpoint" xmlns:v="urn:schemas-microsoft-com:vml" xmlns:o="urn:schemas-microsoft-com:office:office" xmlns:dgm="http://schemas.openxmlformats.org/drawingml/2006/diagram" xmlns:c="http://schemas.openxmlformats.org/drawingml/2006/chart" xmlns:mv="urn:schemas-microsoft-com:mac:vml" xmlns:mc="http://schemas.openxmlformats.org/markup-compatibility/2006" xmlns="">
         <p15:guide id="1" orient="horz" pos="1620">
           <p15:clr>
             <a:srgbClr val="A4A3A4"/>
@@ -1812,8 +1812,16 @@
         <a:bodyPr/>
         <a:lstStyle/>
         <a:p>
+          <a:pPr>
+            <a:lnSpc>
+              <a:spcPct val="90000"/>
+            </a:lnSpc>
+            <a:spcAft>
+              <a:spcPct val="35000"/>
+            </a:spcAft>
+          </a:pPr>
           <a:r>
-            <a:rPr lang="en-US" altLang="zh-TW" sz="2800" b="0" i="0" u="none" strike="noStrike" cap="none" dirty="0" smtClean="0">
+            <a:rPr lang="en-US" altLang="zh-TW" sz="2800" b="0" i="0" u="none" strike="noStrike" kern="1200" cap="none" dirty="0" smtClean="0">
               <a:solidFill>
                 <a:schemeClr val="accent3"/>
               </a:solidFill>
@@ -1825,7 +1833,7 @@
             <a:t>S </a:t>
           </a:r>
           <a:r>
-            <a:rPr lang="zh-TW" altLang="en-US" sz="2800" b="0" i="0" u="none" strike="noStrike" cap="none" dirty="0" smtClean="0">
+            <a:rPr lang="zh-TW" altLang="en-US" sz="2800" b="0" i="0" u="none" strike="noStrike" kern="1200" cap="none" dirty="0" smtClean="0">
               <a:solidFill>
                 <a:schemeClr val="accent3"/>
               </a:solidFill>
@@ -1836,7 +1844,7 @@
             </a:rPr>
             <a:t>優勢</a:t>
           </a:r>
-          <a:endParaRPr lang="en-US" altLang="zh-TW" sz="2800" b="0" i="0" u="none" strike="noStrike" cap="none" dirty="0" smtClean="0">
+          <a:endParaRPr lang="en-US" altLang="zh-TW" sz="2800" b="0" i="0" u="none" strike="noStrike" kern="1200" cap="none" dirty="0" smtClean="0">
             <a:solidFill>
               <a:schemeClr val="accent3"/>
             </a:solidFill>
@@ -1847,8 +1855,16 @@
           </a:endParaRPr>
         </a:p>
         <a:p>
+          <a:pPr>
+            <a:lnSpc>
+              <a:spcPts val="1800"/>
+            </a:lnSpc>
+            <a:spcAft>
+              <a:spcPts val="0"/>
+            </a:spcAft>
+          </a:pPr>
           <a:r>
-            <a:rPr lang="zh-TW" altLang="en-US" sz="1200" dirty="0" smtClean="0">
+            <a:rPr lang="zh-TW" altLang="en-US" sz="1200" kern="0" baseline="0" dirty="0" smtClean="0">
               <a:solidFill>
                 <a:schemeClr val="accent1"/>
               </a:solidFill>
@@ -1858,7 +1874,7 @@
             <a:t>提供免費平台供使用者進行</a:t>
           </a:r>
           <a:r>
-            <a:rPr lang="zh-TW" altLang="en-US" sz="1200" dirty="0" smtClean="0">
+            <a:rPr lang="zh-TW" altLang="en-US" sz="1200" kern="0" baseline="0" dirty="0" smtClean="0">
               <a:solidFill>
                 <a:schemeClr val="accent1"/>
               </a:solidFill>
@@ -1867,7 +1883,7 @@
             </a:rPr>
             <a:t>交流</a:t>
           </a:r>
-          <a:endParaRPr lang="en-US" altLang="zh-TW" sz="1200" dirty="0" smtClean="0">
+          <a:endParaRPr lang="en-US" altLang="zh-TW" sz="1200" kern="0" baseline="0" dirty="0" smtClean="0">
             <a:solidFill>
               <a:schemeClr val="accent1"/>
             </a:solidFill>
@@ -1876,14 +1892,52 @@
           </a:endParaRPr>
         </a:p>
         <a:p>
-          <a:endParaRPr lang="en-US" altLang="zh-TW" sz="1200" dirty="0" smtClean="0">
+          <a:pPr>
+            <a:lnSpc>
+              <a:spcPts val="1800"/>
+            </a:lnSpc>
+            <a:spcAft>
+              <a:spcPts val="0"/>
+            </a:spcAft>
+          </a:pPr>
+          <a:r>
+            <a:rPr lang="zh-TW" altLang="en-US" sz="1200" kern="0" baseline="0" dirty="0" smtClean="0">
+              <a:solidFill>
+                <a:schemeClr val="accent1"/>
+              </a:solidFill>
+              <a:latin typeface="微軟正黑體" pitchFamily="34" charset="-120"/>
+              <a:ea typeface="微軟正黑體" pitchFamily="34" charset="-120"/>
+            </a:rPr>
+            <a:t>使用者可以追蹤自己喜歡的案件</a:t>
+          </a:r>
+          <a:endParaRPr lang="en-US" altLang="zh-TW" sz="1200" kern="0" baseline="0" dirty="0" smtClean="0">
             <a:solidFill>
               <a:schemeClr val="accent1"/>
             </a:solidFill>
+            <a:latin typeface="微軟正黑體" pitchFamily="34" charset="-120"/>
+            <a:ea typeface="微軟正黑體" pitchFamily="34" charset="-120"/>
           </a:endParaRPr>
         </a:p>
         <a:p>
-          <a:endParaRPr lang="zh-TW" altLang="en-US" sz="1200" dirty="0">
+          <a:pPr>
+            <a:lnSpc>
+              <a:spcPts val="1800"/>
+            </a:lnSpc>
+            <a:spcAft>
+              <a:spcPts val="0"/>
+            </a:spcAft>
+          </a:pPr>
+          <a:r>
+            <a:rPr lang="zh-TW" altLang="en-US" sz="1200" kern="0" baseline="0" dirty="0" smtClean="0">
+              <a:solidFill>
+                <a:schemeClr val="accent1"/>
+              </a:solidFill>
+              <a:latin typeface="微軟正黑體" pitchFamily="34" charset="-120"/>
+              <a:ea typeface="微軟正黑體" pitchFamily="34" charset="-120"/>
+            </a:rPr>
+            <a:t>能夠關注最新的流浪動物</a:t>
+          </a:r>
+          <a:endParaRPr lang="zh-TW" altLang="en-US" sz="1200" kern="1200" dirty="0">
             <a:solidFill>
               <a:schemeClr val="accent1"/>
             </a:solidFill>
@@ -2128,17 +2182,7 @@
               <a:latin typeface="微軟正黑體" pitchFamily="34" charset="-120"/>
               <a:ea typeface="微軟正黑體" pitchFamily="34" charset="-120"/>
             </a:rPr>
-            <a:t>社會至今仍有許多流浪</a:t>
-          </a:r>
-          <a:r>
-            <a:rPr lang="zh-TW" altLang="en-US" sz="1200" dirty="0" smtClean="0">
-              <a:solidFill>
-                <a:schemeClr val="accent1"/>
-              </a:solidFill>
-              <a:latin typeface="微軟正黑體" pitchFamily="34" charset="-120"/>
-              <a:ea typeface="微軟正黑體" pitchFamily="34" charset="-120"/>
-            </a:rPr>
-            <a:t>動物，動物保護的理念慢慢建築在人們的觀念教育宣導逐漸增加，讓大眾更了解流浪動物的問題。</a:t>
+            <a:t>社會至今仍有許多流浪動物，動物保護的理念慢慢建築在人們的觀念教育宣導逐漸增加，讓大眾更了解流浪動物的問題。</a:t>
           </a:r>
           <a:endParaRPr lang="en-US" altLang="zh-TW" sz="1200" dirty="0" smtClean="0">
             <a:solidFill>
@@ -17954,8 +17998,8 @@
         </p:nvSpPr>
         <p:spPr>
           <a:xfrm>
-            <a:off x="2127250" y="1346200"/>
-            <a:ext cx="646331" cy="369332"/>
+            <a:off x="2051050" y="1327150"/>
+            <a:ext cx="800219" cy="461665"/>
           </a:xfrm>
           <a:prstGeom prst="rect">
             <a:avLst/>
@@ -17969,7 +18013,7 @@
           <a:lstStyle/>
           <a:p>
             <a:r>
-              <a:rPr lang="zh-TW" altLang="en-US" sz="1800" b="1" dirty="0" smtClean="0">
+              <a:rPr lang="zh-TW" altLang="en-US" sz="2400" b="1" dirty="0" smtClean="0">
                 <a:solidFill>
                   <a:schemeClr val="bg2"/>
                 </a:solidFill>
@@ -17980,7 +18024,7 @@
               </a:rPr>
               <a:t>前端</a:t>
             </a:r>
-            <a:endParaRPr lang="zh-TW" altLang="en-US" sz="1800" b="1" dirty="0">
+            <a:endParaRPr lang="zh-TW" altLang="en-US" sz="2400" b="1" dirty="0">
               <a:solidFill>
                 <a:schemeClr val="bg2"/>
               </a:solidFill>
@@ -18000,8 +18044,8 @@
         </p:nvSpPr>
         <p:spPr>
           <a:xfrm>
-            <a:off x="5708650" y="1352550"/>
-            <a:ext cx="646331" cy="369332"/>
+            <a:off x="5810250" y="1358900"/>
+            <a:ext cx="800219" cy="461665"/>
           </a:xfrm>
           <a:prstGeom prst="rect">
             <a:avLst/>
@@ -18015,7 +18059,7 @@
           <a:lstStyle/>
           <a:p>
             <a:r>
-              <a:rPr lang="zh-TW" altLang="en-US" sz="1800" b="1" dirty="0" smtClean="0">
+              <a:rPr lang="zh-TW" altLang="en-US" sz="2400" b="1" dirty="0" smtClean="0">
                 <a:solidFill>
                   <a:schemeClr val="bg2"/>
                 </a:solidFill>
@@ -18026,7 +18070,7 @@
               </a:rPr>
               <a:t>後端</a:t>
             </a:r>
-            <a:endParaRPr lang="zh-TW" altLang="en-US" sz="1800" b="1" dirty="0">
+            <a:endParaRPr lang="zh-TW" altLang="en-US" sz="2400" b="1" dirty="0">
               <a:solidFill>
                 <a:schemeClr val="bg2"/>
               </a:solidFill>
@@ -18054,7 +18098,7 @@
         </p:blipFill>
         <p:spPr>
           <a:xfrm>
-            <a:off x="6213476" y="2844800"/>
+            <a:off x="6327776" y="2501900"/>
             <a:ext cx="1771650" cy="1181100"/>
           </a:xfrm>
           <a:prstGeom prst="ellipse">
@@ -18078,7 +18122,7 @@
         </p:blipFill>
         <p:spPr>
           <a:xfrm>
-            <a:off x="2141396" y="1834951"/>
+            <a:off x="2135046" y="1822251"/>
             <a:ext cx="639904" cy="901273"/>
           </a:xfrm>
           <a:prstGeom prst="rect">
@@ -18102,7 +18146,7 @@
         </p:blipFill>
         <p:spPr>
           <a:xfrm>
-            <a:off x="1060450" y="2438400"/>
+            <a:off x="1054100" y="2438400"/>
             <a:ext cx="1035050" cy="1035050"/>
           </a:xfrm>
           <a:prstGeom prst="rect">
@@ -18126,32 +18170,8 @@
         </p:blipFill>
         <p:spPr>
           <a:xfrm>
-            <a:off x="2938564" y="2444751"/>
+            <a:off x="2932214" y="2444751"/>
             <a:ext cx="706336" cy="995933"/>
-          </a:xfrm>
-          <a:prstGeom prst="rect">
-            <a:avLst/>
-          </a:prstGeom>
-        </p:spPr>
-      </p:pic>
-      <p:pic>
-        <p:nvPicPr>
-          <p:cNvPr id="18" name="圖片 17" descr="下載 (1).png"/>
-          <p:cNvPicPr>
-            <a:picLocks noChangeAspect="1"/>
-          </p:cNvPicPr>
-          <p:nvPr/>
-        </p:nvPicPr>
-        <p:blipFill>
-          <a:blip r:embed="rId6"/>
-          <a:stretch>
-            <a:fillRect/>
-          </a:stretch>
-        </p:blipFill>
-        <p:spPr>
-          <a:xfrm>
-            <a:off x="4745037" y="3011487"/>
-            <a:ext cx="906463" cy="906463"/>
           </a:xfrm>
           <a:prstGeom prst="rect">
             <a:avLst/>
@@ -18167,14 +18187,14 @@
           <p:nvPr/>
         </p:nvPicPr>
         <p:blipFill>
-          <a:blip r:embed="rId7"/>
+          <a:blip r:embed="rId6"/>
           <a:stretch>
             <a:fillRect/>
           </a:stretch>
         </p:blipFill>
         <p:spPr>
           <a:xfrm>
-            <a:off x="1916223" y="3492500"/>
+            <a:off x="1909873" y="3492500"/>
             <a:ext cx="1080977" cy="907852"/>
           </a:xfrm>
           <a:prstGeom prst="rect">
@@ -18191,6 +18211,30 @@
           <p:nvPr/>
         </p:nvPicPr>
         <p:blipFill>
+          <a:blip r:embed="rId7"/>
+          <a:stretch>
+            <a:fillRect/>
+          </a:stretch>
+        </p:blipFill>
+        <p:spPr>
+          <a:xfrm>
+            <a:off x="5703887" y="1817688"/>
+            <a:ext cx="931863" cy="808130"/>
+          </a:xfrm>
+          <a:prstGeom prst="rect">
+            <a:avLst/>
+          </a:prstGeom>
+        </p:spPr>
+      </p:pic>
+      <p:pic>
+        <p:nvPicPr>
+          <p:cNvPr id="12" name="圖片 11" descr="mysql-background.png"/>
+          <p:cNvPicPr>
+            <a:picLocks noChangeAspect="1"/>
+          </p:cNvPicPr>
+          <p:nvPr/>
+        </p:nvPicPr>
+        <p:blipFill>
           <a:blip r:embed="rId8"/>
           <a:stretch>
             <a:fillRect/>
@@ -18198,8 +18242,32 @@
         </p:blipFill>
         <p:spPr>
           <a:xfrm>
-            <a:off x="5589587" y="1970088"/>
-            <a:ext cx="900113" cy="780596"/>
+            <a:off x="5499100" y="3533457"/>
+            <a:ext cx="1422400" cy="799211"/>
+          </a:xfrm>
+          <a:prstGeom prst="rect">
+            <a:avLst/>
+          </a:prstGeom>
+        </p:spPr>
+      </p:pic>
+      <p:pic>
+        <p:nvPicPr>
+          <p:cNvPr id="13" name="圖片 12" descr="php2.png"/>
+          <p:cNvPicPr>
+            <a:picLocks noChangeAspect="1"/>
+          </p:cNvPicPr>
+          <p:nvPr/>
+        </p:nvPicPr>
+        <p:blipFill>
+          <a:blip r:embed="rId9"/>
+          <a:stretch>
+            <a:fillRect/>
+          </a:stretch>
+        </p:blipFill>
+        <p:spPr>
+          <a:xfrm>
+            <a:off x="4425950" y="2749550"/>
+            <a:ext cx="1358900" cy="679450"/>
           </a:xfrm>
           <a:prstGeom prst="rect">
             <a:avLst/>
@@ -18455,7 +18523,7 @@
                                           </p:stCondLst>
                                         </p:cTn>
                                         <p:tgtEl>
-                                          <p:spTgt spid="18"/>
+                                          <p:spTgt spid="19"/>
                                         </p:tgtEl>
                                         <p:attrNameLst>
                                           <p:attrName>style.visibility</p:attrName>
@@ -18469,7 +18537,7 @@
                                       <p:cBhvr>
                                         <p:cTn id="25" dur="500"/>
                                         <p:tgtEl>
-                                          <p:spTgt spid="18"/>
+                                          <p:spTgt spid="19"/>
                                         </p:tgtEl>
                                       </p:cBhvr>
                                     </p:animEffect>
@@ -18490,7 +18558,7 @@
                                           </p:stCondLst>
                                         </p:cTn>
                                         <p:tgtEl>
-                                          <p:spTgt spid="19"/>
+                                          <p:spTgt spid="20"/>
                                         </p:tgtEl>
                                         <p:attrNameLst>
                                           <p:attrName>style.visibility</p:attrName>
@@ -18503,41 +18571,6 @@
                                     <p:animEffect transition="in" filter="fade">
                                       <p:cBhvr>
                                         <p:cTn id="28" dur="500"/>
-                                        <p:tgtEl>
-                                          <p:spTgt spid="19"/>
-                                        </p:tgtEl>
-                                      </p:cBhvr>
-                                    </p:animEffect>
-                                  </p:childTnLst>
-                                </p:cTn>
-                              </p:par>
-                              <p:par>
-                                <p:cTn id="29" presetID="10" presetClass="entr" presetSubtype="0" fill="hold" nodeType="withEffect">
-                                  <p:stCondLst>
-                                    <p:cond delay="0"/>
-                                  </p:stCondLst>
-                                  <p:childTnLst>
-                                    <p:set>
-                                      <p:cBhvr>
-                                        <p:cTn id="30" dur="1" fill="hold">
-                                          <p:stCondLst>
-                                            <p:cond delay="0"/>
-                                          </p:stCondLst>
-                                        </p:cTn>
-                                        <p:tgtEl>
-                                          <p:spTgt spid="20"/>
-                                        </p:tgtEl>
-                                        <p:attrNameLst>
-                                          <p:attrName>style.visibility</p:attrName>
-                                        </p:attrNameLst>
-                                      </p:cBhvr>
-                                      <p:to>
-                                        <p:strVal val="visible"/>
-                                      </p:to>
-                                    </p:set>
-                                    <p:animEffect transition="in" filter="fade">
-                                      <p:cBhvr>
-                                        <p:cTn id="31" dur="500"/>
                                         <p:tgtEl>
                                           <p:spTgt spid="20"/>
                                         </p:tgtEl>
@@ -18693,148 +18726,246 @@
               <a:buNone/>
             </a:pPr>
             <a:r>
-              <a:rPr lang="zh-TW" altLang="en-US" dirty="0" smtClean="0"/>
+              <a:rPr lang="zh-TW" altLang="en-US" sz="2000" b="1" dirty="0" smtClean="0">
+                <a:solidFill>
+                  <a:schemeClr val="accent3"/>
+                </a:solidFill>
+                <a:latin typeface="微軟正黑體" pitchFamily="34" charset="-120"/>
+                <a:ea typeface="微軟正黑體" pitchFamily="34" charset="-120"/>
+              </a:rPr>
               <a:t>動機</a:t>
             </a:r>
-            <a:endParaRPr lang="en-US" altLang="zh-TW" dirty="0" smtClean="0"/>
+            <a:endParaRPr lang="en-US" altLang="zh-TW" sz="2000" b="1" dirty="0" smtClean="0">
+              <a:solidFill>
+                <a:schemeClr val="accent3"/>
+              </a:solidFill>
+              <a:latin typeface="微軟正黑體" pitchFamily="34" charset="-120"/>
+              <a:ea typeface="微軟正黑體" pitchFamily="34" charset="-120"/>
+            </a:endParaRPr>
           </a:p>
           <a:p>
             <a:pPr>
               <a:buNone/>
             </a:pPr>
             <a:r>
-              <a:rPr lang="zh-TW" altLang="en-US" dirty="0" smtClean="0"/>
-              <a:t>在世界的許多角落，有很多的毛浪浪們，牠們滿身瘡痍、無家可歸</a:t>
+              <a:rPr lang="zh-TW" altLang="en-US" u="sng" dirty="0" smtClean="0">
+                <a:solidFill>
+                  <a:schemeClr val="accent3"/>
+                </a:solidFill>
+                <a:latin typeface="微軟正黑體" pitchFamily="34" charset="-120"/>
+                <a:ea typeface="微軟正黑體" pitchFamily="34" charset="-120"/>
+              </a:rPr>
+              <a:t>在世界的許多角落，有很多的毛浪浪們，牠們滿身瘡痍、無家可歸，</a:t>
             </a:r>
-            <a:r>
-              <a:rPr lang="zh-TW" altLang="en-US" dirty="0" smtClean="0"/>
-              <a:t>，</a:t>
-            </a:r>
-            <a:endParaRPr lang="en-US" altLang="zh-TW" dirty="0" smtClean="0"/>
+            <a:endParaRPr lang="en-US" altLang="zh-TW" u="sng" dirty="0" smtClean="0">
+              <a:solidFill>
+                <a:schemeClr val="accent3"/>
+              </a:solidFill>
+              <a:latin typeface="微軟正黑體" pitchFamily="34" charset="-120"/>
+              <a:ea typeface="微軟正黑體" pitchFamily="34" charset="-120"/>
+            </a:endParaRPr>
           </a:p>
           <a:p>
             <a:pPr>
               <a:buNone/>
             </a:pPr>
             <a:r>
-              <a:rPr lang="zh-TW" altLang="en-US" dirty="0" smtClean="0"/>
-              <a:t>但</a:t>
+              <a:rPr lang="zh-TW" altLang="en-US" u="sng" dirty="0" smtClean="0">
+                <a:solidFill>
+                  <a:schemeClr val="accent3"/>
+                </a:solidFill>
+                <a:latin typeface="微軟正黑體" pitchFamily="34" charset="-120"/>
+                <a:ea typeface="微軟正黑體" pitchFamily="34" charset="-120"/>
+              </a:rPr>
+              <a:t>但只要有人願意分 給牠們一點愛，</a:t>
             </a:r>
-            <a:r>
-              <a:rPr lang="zh-TW" altLang="en-US" dirty="0" smtClean="0"/>
-              <a:t>只要有人願意分 給牠們一點愛</a:t>
-            </a:r>
-            <a:r>
-              <a:rPr lang="zh-TW" altLang="en-US" dirty="0" smtClean="0"/>
-              <a:t>，</a:t>
-            </a:r>
-            <a:endParaRPr lang="en-US" altLang="zh-TW" dirty="0" smtClean="0"/>
+            <a:endParaRPr lang="en-US" altLang="zh-TW" u="sng" dirty="0" smtClean="0">
+              <a:solidFill>
+                <a:schemeClr val="accent3"/>
+              </a:solidFill>
+              <a:latin typeface="微軟正黑體" pitchFamily="34" charset="-120"/>
+              <a:ea typeface="微軟正黑體" pitchFamily="34" charset="-120"/>
+            </a:endParaRPr>
           </a:p>
           <a:p>
             <a:pPr>
               <a:buNone/>
             </a:pPr>
             <a:r>
-              <a:rPr lang="zh-TW" altLang="en-US" dirty="0" smtClean="0"/>
-              <a:t>這些</a:t>
+              <a:rPr lang="zh-TW" altLang="en-US" u="sng" dirty="0" smtClean="0">
+                <a:solidFill>
+                  <a:schemeClr val="accent3"/>
+                </a:solidFill>
+                <a:latin typeface="微軟正黑體" pitchFamily="34" charset="-120"/>
+                <a:ea typeface="微軟正黑體" pitchFamily="34" charset="-120"/>
+              </a:rPr>
+              <a:t>這些浪浪就會脫胎換骨，變成人們最貼心的毛小孩。</a:t>
             </a:r>
-            <a:r>
-              <a:rPr lang="zh-TW" altLang="en-US" dirty="0" smtClean="0"/>
-              <a:t>浪浪就會脫胎換骨，變成人們最貼心的毛小孩</a:t>
-            </a:r>
-            <a:r>
-              <a:rPr lang="zh-TW" altLang="en-US" dirty="0" smtClean="0"/>
-              <a:t>。</a:t>
-            </a:r>
-            <a:endParaRPr lang="en-US" altLang="zh-TW" dirty="0" smtClean="0"/>
+            <a:endParaRPr lang="en-US" altLang="zh-TW" u="sng" dirty="0" smtClean="0">
+              <a:solidFill>
+                <a:schemeClr val="accent3"/>
+              </a:solidFill>
+              <a:latin typeface="微軟正黑體" pitchFamily="34" charset="-120"/>
+              <a:ea typeface="微軟正黑體" pitchFamily="34" charset="-120"/>
+            </a:endParaRPr>
           </a:p>
           <a:p>
             <a:pPr>
               <a:buNone/>
             </a:pPr>
-            <a:endParaRPr lang="en-US" altLang="zh-TW" dirty="0" smtClean="0"/>
+            <a:endParaRPr lang="en-US" altLang="zh-TW" u="sng" dirty="0" smtClean="0">
+              <a:solidFill>
+                <a:schemeClr val="accent3"/>
+              </a:solidFill>
+              <a:latin typeface="微軟正黑體" pitchFamily="34" charset="-120"/>
+              <a:ea typeface="微軟正黑體" pitchFamily="34" charset="-120"/>
+            </a:endParaRPr>
           </a:p>
           <a:p>
             <a:pPr>
               <a:buNone/>
             </a:pPr>
-            <a:endParaRPr lang="en-US" altLang="zh-TW" dirty="0" smtClean="0"/>
+            <a:endParaRPr lang="en-US" altLang="zh-TW" dirty="0" smtClean="0">
+              <a:solidFill>
+                <a:schemeClr val="accent3"/>
+              </a:solidFill>
+              <a:latin typeface="微軟正黑體" pitchFamily="34" charset="-120"/>
+              <a:ea typeface="微軟正黑體" pitchFamily="34" charset="-120"/>
+            </a:endParaRPr>
           </a:p>
           <a:p>
             <a:pPr>
               <a:buNone/>
             </a:pPr>
-            <a:endParaRPr lang="en-US" altLang="zh-TW" dirty="0" smtClean="0"/>
+            <a:endParaRPr lang="en-US" altLang="zh-TW" dirty="0" smtClean="0">
+              <a:solidFill>
+                <a:schemeClr val="accent3"/>
+              </a:solidFill>
+              <a:latin typeface="微軟正黑體" pitchFamily="34" charset="-120"/>
+              <a:ea typeface="微軟正黑體" pitchFamily="34" charset="-120"/>
+            </a:endParaRPr>
           </a:p>
           <a:p>
             <a:pPr>
               <a:buNone/>
             </a:pPr>
-            <a:endParaRPr lang="en-US" altLang="zh-TW" dirty="0" smtClean="0"/>
+            <a:r>
+              <a:rPr lang="zh-TW" altLang="en-US" sz="2000" b="1" dirty="0" smtClean="0">
+                <a:solidFill>
+                  <a:schemeClr val="accent3"/>
+                </a:solidFill>
+                <a:latin typeface="微軟正黑體" pitchFamily="34" charset="-120"/>
+                <a:ea typeface="微軟正黑體" pitchFamily="34" charset="-120"/>
+              </a:rPr>
+              <a:t>目的</a:t>
+            </a:r>
+            <a:endParaRPr lang="en-US" altLang="zh-TW" sz="2000" b="1" dirty="0" smtClean="0">
+              <a:solidFill>
+                <a:schemeClr val="accent3"/>
+              </a:solidFill>
+              <a:latin typeface="微軟正黑體" pitchFamily="34" charset="-120"/>
+              <a:ea typeface="微軟正黑體" pitchFamily="34" charset="-120"/>
+            </a:endParaRPr>
           </a:p>
           <a:p>
             <a:pPr>
               <a:buNone/>
             </a:pPr>
-            <a:endParaRPr lang="en-US" altLang="zh-TW" dirty="0" smtClean="0"/>
+            <a:r>
+              <a:rPr lang="zh-TW" altLang="en-US" u="sng" dirty="0" smtClean="0">
+                <a:solidFill>
+                  <a:schemeClr val="accent3"/>
+                </a:solidFill>
+                <a:latin typeface="微軟正黑體" pitchFamily="34" charset="-120"/>
+                <a:ea typeface="微軟正黑體" pitchFamily="34" charset="-120"/>
+              </a:rPr>
+              <a:t>頁面設計主色系採用藍色與灰綠色底 </a:t>
+            </a:r>
+            <a:endParaRPr lang="en-US" altLang="zh-TW" u="sng" dirty="0" smtClean="0">
+              <a:solidFill>
+                <a:schemeClr val="accent3"/>
+              </a:solidFill>
+              <a:latin typeface="微軟正黑體" pitchFamily="34" charset="-120"/>
+              <a:ea typeface="微軟正黑體" pitchFamily="34" charset="-120"/>
+            </a:endParaRPr>
           </a:p>
           <a:p>
             <a:pPr>
               <a:buNone/>
             </a:pPr>
             <a:r>
-              <a:rPr lang="zh-TW" altLang="en-US" dirty="0" smtClean="0"/>
-              <a:t>頁面設計主色系採用藍色與灰綠色底 </a:t>
+              <a:rPr lang="zh-TW" altLang="en-US" u="sng" dirty="0" smtClean="0">
+                <a:solidFill>
+                  <a:schemeClr val="accent3"/>
+                </a:solidFill>
+                <a:latin typeface="微軟正黑體" pitchFamily="34" charset="-120"/>
+                <a:ea typeface="微軟正黑體" pitchFamily="34" charset="-120"/>
+              </a:rPr>
+              <a:t>呈現天空與地面的配色</a:t>
             </a:r>
-            <a:endParaRPr lang="en-US" altLang="zh-TW" dirty="0" smtClean="0"/>
+            <a:endParaRPr lang="en-US" altLang="zh-TW" u="sng" dirty="0" smtClean="0">
+              <a:solidFill>
+                <a:schemeClr val="accent3"/>
+              </a:solidFill>
+              <a:latin typeface="微軟正黑體" pitchFamily="34" charset="-120"/>
+              <a:ea typeface="微軟正黑體" pitchFamily="34" charset="-120"/>
+            </a:endParaRPr>
           </a:p>
           <a:p>
             <a:pPr>
               <a:buNone/>
             </a:pPr>
             <a:r>
-              <a:rPr lang="zh-TW" altLang="en-US" dirty="0" smtClean="0"/>
-              <a:t>呈現天空與地面的配色</a:t>
+              <a:rPr lang="zh-TW" altLang="en-US" u="sng" dirty="0" smtClean="0">
+                <a:solidFill>
+                  <a:schemeClr val="accent3"/>
+                </a:solidFill>
+                <a:latin typeface="微軟正黑體" pitchFamily="34" charset="-120"/>
+                <a:ea typeface="微軟正黑體" pitchFamily="34" charset="-120"/>
+              </a:rPr>
+              <a:t>象徵流浪動物浪跡在天涯  還等著我們更多人去協尋</a:t>
             </a:r>
-            <a:endParaRPr lang="en-US" altLang="zh-TW" dirty="0" smtClean="0"/>
+            <a:endParaRPr lang="en-US" altLang="zh-TW" u="sng" dirty="0" smtClean="0">
+              <a:solidFill>
+                <a:schemeClr val="accent3"/>
+              </a:solidFill>
+              <a:latin typeface="微軟正黑體" pitchFamily="34" charset="-120"/>
+              <a:ea typeface="微軟正黑體" pitchFamily="34" charset="-120"/>
+            </a:endParaRPr>
           </a:p>
           <a:p>
             <a:pPr>
               <a:buNone/>
             </a:pPr>
             <a:r>
-              <a:rPr lang="zh-TW" altLang="en-US" dirty="0" smtClean="0"/>
-              <a:t>象徵</a:t>
+              <a:rPr lang="zh-TW" altLang="en-US" u="sng" dirty="0" smtClean="0">
+                <a:solidFill>
+                  <a:schemeClr val="accent3"/>
+                </a:solidFill>
+                <a:latin typeface="微軟正黑體" pitchFamily="34" charset="-120"/>
+                <a:ea typeface="微軟正黑體" pitchFamily="34" charset="-120"/>
+              </a:rPr>
+              <a:t>替他們找到一個溫暖的家</a:t>
             </a:r>
-            <a:r>
-              <a:rPr lang="zh-TW" altLang="en-US" dirty="0" smtClean="0"/>
-              <a:t>流浪</a:t>
-            </a:r>
-            <a:r>
-              <a:rPr lang="zh-TW" altLang="en-US" dirty="0" smtClean="0"/>
-              <a:t>動物浪跡在天涯  還等著我們更多人去協尋</a:t>
-            </a:r>
-            <a:endParaRPr lang="en-US" altLang="zh-TW" dirty="0" smtClean="0"/>
+            <a:endParaRPr lang="en-US" altLang="zh-TW" u="sng" dirty="0" smtClean="0">
+              <a:solidFill>
+                <a:schemeClr val="accent3"/>
+              </a:solidFill>
+              <a:latin typeface="微軟正黑體" pitchFamily="34" charset="-120"/>
+              <a:ea typeface="微軟正黑體" pitchFamily="34" charset="-120"/>
+            </a:endParaRPr>
           </a:p>
           <a:p>
             <a:pPr>
               <a:buNone/>
             </a:pPr>
-            <a:r>
-              <a:rPr lang="zh-TW" altLang="en-US" dirty="0" smtClean="0"/>
-              <a:t>替他們找到</a:t>
-            </a:r>
-            <a:r>
-              <a:rPr lang="zh-TW" altLang="en-US" dirty="0" smtClean="0"/>
-              <a:t>一個溫暖的家</a:t>
-            </a:r>
-            <a:endParaRPr lang="en-US" altLang="zh-TW" dirty="0" smtClean="0"/>
-          </a:p>
-          <a:p>
-            <a:pPr>
-              <a:buNone/>
-            </a:pPr>
-            <a:endParaRPr lang="zh-TW" altLang="en-US" dirty="0" smtClean="0"/>
+            <a:endParaRPr lang="zh-TW" altLang="en-US" u="sng" dirty="0" smtClean="0">
+              <a:solidFill>
+                <a:schemeClr val="accent3"/>
+              </a:solidFill>
+              <a:latin typeface="微軟正黑體" pitchFamily="34" charset="-120"/>
+              <a:ea typeface="微軟正黑體" pitchFamily="34" charset="-120"/>
+            </a:endParaRPr>
           </a:p>
           <a:p>
             <a:pPr>
@@ -18974,19 +19105,17 @@
             </a:pPr>
             <a:r>
               <a:rPr lang="zh-TW" altLang="en-US" dirty="0" smtClean="0"/>
-              <a:t>浪浪別哭  </a:t>
+              <a:t>浪浪別哭</a:t>
+            </a:r>
+            <a:r>
+              <a:rPr lang="zh-TW" altLang="en-US" dirty="0" smtClean="0"/>
+              <a:t>  </a:t>
             </a:r>
             <a:r>
               <a:rPr lang="en-US" altLang="zh-TW" dirty="0" smtClean="0">
                 <a:hlinkClick r:id="rId2"/>
               </a:rPr>
-              <a:t>http://</a:t>
-            </a:r>
-            <a:r>
-              <a:rPr lang="en-US" altLang="zh-TW" dirty="0" smtClean="0">
-                <a:hlinkClick r:id="rId2"/>
-              </a:rPr>
-              <a:t>www.langlangdontcry.com.tw/member.html</a:t>
+              <a:t>http://www.langlangdontcry.com.tw/member.html</a:t>
             </a:r>
             <a:endParaRPr lang="en-US" altLang="zh-TW" dirty="0" smtClean="0"/>
           </a:p>
@@ -19008,19 +19137,7 @@
               <a:rPr lang="en-US" altLang="zh-TW" dirty="0" smtClean="0">
                 <a:hlinkClick r:id="rId3"/>
               </a:rPr>
-              <a:t>https</a:t>
-            </a:r>
-            <a:r>
-              <a:rPr lang="en-US" altLang="zh-TW" dirty="0" smtClean="0">
-                <a:hlinkClick r:id="rId3"/>
-              </a:rPr>
-              <a:t>://</a:t>
-            </a:r>
-            <a:r>
-              <a:rPr lang="en-US" altLang="zh-TW" dirty="0" smtClean="0">
-                <a:hlinkClick r:id="rId3"/>
-              </a:rPr>
-              <a:t>noramichi.app/about</a:t>
+              <a:t>https://noramichi.app/about</a:t>
             </a:r>
             <a:endParaRPr lang="en-US" altLang="zh-TW" dirty="0" smtClean="0"/>
           </a:p>
@@ -19036,29 +19153,13 @@
             </a:pPr>
             <a:r>
               <a:rPr lang="zh-TW" altLang="en-US" dirty="0" smtClean="0"/>
-              <a:t>社團法人臺南市徐園長護生</a:t>
-            </a:r>
-            <a:r>
-              <a:rPr lang="zh-TW" altLang="en-US" dirty="0" smtClean="0"/>
-              <a:t>協會   </a:t>
+              <a:t>社團法人臺南市徐園長護生協會   </a:t>
             </a:r>
             <a:r>
               <a:rPr lang="en-US" altLang="zh-TW" dirty="0" smtClean="0">
                 <a:hlinkClick r:id="rId4"/>
               </a:rPr>
-              <a:t>https</a:t>
-            </a:r>
-            <a:r>
-              <a:rPr lang="en-US" altLang="zh-TW" dirty="0" smtClean="0">
-                <a:hlinkClick r:id="rId4"/>
-              </a:rPr>
-              <a:t>://</a:t>
-            </a:r>
-            <a:r>
-              <a:rPr lang="en-US" altLang="zh-TW" dirty="0" smtClean="0">
-                <a:hlinkClick r:id="rId4"/>
-              </a:rPr>
-              <a:t>hapatc.org.tw/index.php</a:t>
+              <a:t>https://hapatc.org.tw/index.php</a:t>
             </a:r>
             <a:endParaRPr lang="en-US" altLang="zh-TW" dirty="0" smtClean="0"/>
           </a:p>
@@ -19073,30 +19174,14 @@
               <a:buNone/>
             </a:pPr>
             <a:r>
-              <a:rPr lang="zh-TW" altLang="en-US" b="1" dirty="0" smtClean="0"/>
-              <a:t>臺中動物之</a:t>
-            </a:r>
-            <a:r>
-              <a:rPr lang="zh-TW" altLang="en-US" b="1" dirty="0" smtClean="0"/>
-              <a:t>家  </a:t>
+              <a:rPr lang="zh-TW" altLang="en-US" dirty="0" smtClean="0"/>
+              <a:t>臺中動物之家  </a:t>
             </a:r>
             <a:r>
               <a:rPr lang="en-US" altLang="zh-TW" dirty="0" smtClean="0">
                 <a:hlinkClick r:id="rId5"/>
               </a:rPr>
-              <a:t>https</a:t>
-            </a:r>
-            <a:r>
-              <a:rPr lang="en-US" altLang="zh-TW" dirty="0" smtClean="0">
-                <a:hlinkClick r:id="rId5"/>
-              </a:rPr>
-              <a:t>://</a:t>
-            </a:r>
-            <a:r>
-              <a:rPr lang="en-US" altLang="zh-TW" dirty="0" smtClean="0">
-                <a:hlinkClick r:id="rId5"/>
-              </a:rPr>
-              <a:t>www.animal.taichung.gov.tw/1521481/Normalnodelist</a:t>
+              <a:t>https://www.animal.taichung.gov.tw/1521481/Normalnodelist</a:t>
             </a:r>
             <a:endParaRPr lang="en-US" altLang="zh-TW" dirty="0" smtClean="0"/>
           </a:p>
@@ -19120,19 +19205,13 @@
             </a:r>
             <a:r>
               <a:rPr lang="zh-TW" altLang="en-US" dirty="0" smtClean="0"/>
-              <a:t>全國動物收容</a:t>
+              <a:t>全國動物收容系統  </a:t>
             </a:r>
             <a:r>
-              <a:rPr lang="zh-TW" altLang="en-US" dirty="0" smtClean="0"/>
-              <a:t>系統  </a:t>
-            </a:r>
-            <a:r>
-              <a:rPr lang="en-US" altLang="zh-TW" dirty="0" smtClean="0"/>
-              <a:t>https</a:t>
-            </a:r>
-            <a:r>
-              <a:rPr lang="en-US" altLang="zh-TW" dirty="0" smtClean="0"/>
-              <a:t>://asms.coa.gov.tw/AmlApp/App/AnnounceMent.aspx?PageType=Adopt</a:t>
+              <a:rPr lang="en-US" altLang="zh-TW" dirty="0" smtClean="0">
+                <a:hlinkClick r:id="rId2"/>
+              </a:rPr>
+              <a:t>https://asms.coa.gov.tw/AmlApp/App/AnnounceMent.aspx?PageType=Adopt</a:t>
             </a:r>
           </a:p>
           <a:p>
